--- a/presentations/GroupDay_Introduction_Elly.pptx
+++ b/presentations/GroupDay_Introduction_Elly.pptx
@@ -5,20 +5,21 @@
     <p:sldMasterId id="2147483648" r:id="rId1"/>
   </p:sldMasterIdLst>
   <p:notesMasterIdLst>
-    <p:notesMasterId r:id="rId8"/>
+    <p:notesMasterId r:id="rId9"/>
   </p:notesMasterIdLst>
   <p:sldIdLst>
     <p:sldId id="281" r:id="rId2"/>
     <p:sldId id="286" r:id="rId3"/>
-    <p:sldId id="288" r:id="rId4"/>
-    <p:sldId id="297" r:id="rId5"/>
-    <p:sldId id="296" r:id="rId6"/>
-    <p:sldId id="294" r:id="rId7"/>
+    <p:sldId id="298" r:id="rId4"/>
+    <p:sldId id="288" r:id="rId5"/>
+    <p:sldId id="297" r:id="rId6"/>
+    <p:sldId id="296" r:id="rId7"/>
+    <p:sldId id="294" r:id="rId8"/>
   </p:sldIdLst>
   <p:sldSz cx="9144000" cy="6858000" type="screen4x3"/>
   <p:notesSz cx="7315200" cy="9601200"/>
   <p:custDataLst>
-    <p:tags r:id="rId9"/>
+    <p:tags r:id="rId10"/>
   </p:custDataLst>
   <p:defaultTextStyle>
     <a:defPPr>
@@ -979,7 +980,7 @@
         <a:p>
           <a:r>
             <a:rPr lang="de-DE" dirty="0"/>
-            <a:t>New Input 1 (Baseline)</a:t>
+            <a:t>Baseline</a:t>
           </a:r>
         </a:p>
       </dgm:t>
@@ -1062,21 +1063,7 @@
         <a:p>
           <a:r>
             <a:rPr lang="de-DE" dirty="0"/>
-            <a:t>New Input 2</a:t>
-          </a:r>
-        </a:p>
-        <a:p>
-          <a:r>
-            <a:rPr lang="de-DE" dirty="0"/>
-            <a:t>(Baseline + </a:t>
-          </a:r>
-          <a:r>
-            <a:rPr lang="de-DE" dirty="0" err="1"/>
-            <a:t>Procedural</a:t>
-          </a:r>
-          <a:r>
-            <a:rPr lang="de-DE" dirty="0"/>
-            <a:t> Information)</a:t>
+            <a:t>Baseline + Procedural Information</a:t>
           </a:r>
         </a:p>
       </dgm:t>
@@ -1482,12 +1469,12 @@
         </a:fontRef>
       </dsp:style>
       <dsp:txBody>
-        <a:bodyPr spcFirstLastPara="0" vert="horz" wrap="square" lIns="76200" tIns="38100" rIns="76200" bIns="38100" numCol="1" spcCol="1270" anchor="ctr" anchorCtr="0">
+        <a:bodyPr spcFirstLastPara="0" vert="horz" wrap="square" lIns="83820" tIns="41910" rIns="83820" bIns="41910" numCol="1" spcCol="1270" anchor="ctr" anchorCtr="0">
           <a:noAutofit/>
         </a:bodyPr>
         <a:lstStyle/>
         <a:p>
-          <a:pPr marL="0" lvl="0" indent="0" algn="ctr" defTabSz="889000">
+          <a:pPr marL="0" lvl="0" indent="0" algn="ctr" defTabSz="977900">
             <a:lnSpc>
               <a:spcPct val="90000"/>
             </a:lnSpc>
@@ -1500,8 +1487,8 @@
             <a:buNone/>
           </a:pPr>
           <a:r>
-            <a:rPr lang="de-DE" sz="2000" kern="1200" dirty="0"/>
-            <a:t>New Input 1 (Baseline)</a:t>
+            <a:rPr lang="de-DE" sz="2200" kern="1200" dirty="0"/>
+            <a:t>Baseline</a:t>
           </a:r>
         </a:p>
       </dsp:txBody>
@@ -1653,12 +1640,12 @@
         </a:fontRef>
       </dsp:style>
       <dsp:txBody>
-        <a:bodyPr spcFirstLastPara="0" vert="horz" wrap="square" lIns="76200" tIns="38100" rIns="76200" bIns="38100" numCol="1" spcCol="1270" anchor="ctr" anchorCtr="0">
+        <a:bodyPr spcFirstLastPara="0" vert="horz" wrap="square" lIns="83820" tIns="41910" rIns="83820" bIns="41910" numCol="1" spcCol="1270" anchor="ctr" anchorCtr="0">
           <a:noAutofit/>
         </a:bodyPr>
         <a:lstStyle/>
         <a:p>
-          <a:pPr marL="0" lvl="0" indent="0" algn="ctr" defTabSz="889000">
+          <a:pPr marL="0" lvl="0" indent="0" algn="ctr" defTabSz="977900">
             <a:lnSpc>
               <a:spcPct val="90000"/>
             </a:lnSpc>
@@ -1671,34 +1658,8 @@
             <a:buNone/>
           </a:pPr>
           <a:r>
-            <a:rPr lang="de-DE" sz="2000" kern="1200" dirty="0"/>
-            <a:t>New Input 2</a:t>
-          </a:r>
-        </a:p>
-        <a:p>
-          <a:pPr marL="0" lvl="0" indent="0" algn="ctr" defTabSz="889000">
-            <a:lnSpc>
-              <a:spcPct val="90000"/>
-            </a:lnSpc>
-            <a:spcBef>
-              <a:spcPct val="0"/>
-            </a:spcBef>
-            <a:spcAft>
-              <a:spcPct val="35000"/>
-            </a:spcAft>
-            <a:buNone/>
-          </a:pPr>
-          <a:r>
-            <a:rPr lang="de-DE" sz="2000" kern="1200" dirty="0"/>
-            <a:t>(Baseline + </a:t>
-          </a:r>
-          <a:r>
-            <a:rPr lang="de-DE" sz="2000" kern="1200" dirty="0" err="1"/>
-            <a:t>Procedural</a:t>
-          </a:r>
-          <a:r>
-            <a:rPr lang="de-DE" sz="2000" kern="1200" dirty="0"/>
-            <a:t> Information)</a:t>
+            <a:rPr lang="de-DE" sz="2200" kern="1200" dirty="0"/>
+            <a:t>Baseline + Procedural Information</a:t>
           </a:r>
         </a:p>
       </dsp:txBody>
@@ -3033,7 +2994,7 @@
           <a:p>
             <a:fld id="{7E109A6C-D884-45F8-B5EB-D7A1699C6653}" type="datetimeFigureOut">
               <a:rPr lang="de-DE" smtClean="0"/>
-              <a:t>10.07.2020</a:t>
+              <a:t>13.07.2020</a:t>
             </a:fld>
             <a:endParaRPr lang="de-DE"/>
           </a:p>
@@ -4127,7 +4088,174 @@
           <a:bodyPr/>
           <a:lstStyle/>
           <a:p>
-            <a:endParaRPr lang="de-DE" dirty="0"/>
+            <a:r>
+              <a:rPr lang="en-GB" sz="1200" b="0" i="0" kern="1200" dirty="0">
+                <a:solidFill>
+                  <a:schemeClr val="tx1"/>
+                </a:solidFill>
+                <a:effectLst/>
+                <a:latin typeface="+mn-lt"/>
+                <a:ea typeface="+mn-ea"/>
+                <a:cs typeface="+mn-cs"/>
+              </a:rPr>
+              <a:t>There is an increased number of heart diseases among the people, and to treat them surgeons prefer minimally invasive procedures rather than open heart surgeries as they provide improved life quality and less pain. This has propelled the demand for vascular stents in the European region. The types of vascular stents provided by the regulatory agencies in the region are drug-eluting and bioabsorbable stents. This is proliferating the availability of these stents and is also increasing their sales in the region. </a:t>
+            </a:r>
+          </a:p>
+          <a:p>
+            <a:endParaRPr lang="en-GB" sz="1200" b="0" i="0" kern="1200" dirty="0">
+              <a:solidFill>
+                <a:schemeClr val="tx1"/>
+              </a:solidFill>
+              <a:effectLst/>
+              <a:latin typeface="+mn-lt"/>
+              <a:ea typeface="+mn-ea"/>
+              <a:cs typeface="+mn-cs"/>
+            </a:endParaRPr>
+          </a:p>
+          <a:p>
+            <a:r>
+              <a:rPr lang="en-GB" sz="1200" b="0" i="0" kern="1200" dirty="0">
+                <a:solidFill>
+                  <a:schemeClr val="tx1"/>
+                </a:solidFill>
+                <a:effectLst/>
+                <a:latin typeface="+mn-lt"/>
+                <a:ea typeface="+mn-ea"/>
+                <a:cs typeface="+mn-cs"/>
+              </a:rPr>
+              <a:t>As the number of patients with implanted stents increases, the number of patients suffering from different adverse outcomes </a:t>
+            </a:r>
+            <a:r>
+              <a:rPr lang="en-GB" dirty="0"/>
+              <a:t>due </a:t>
+            </a:r>
+            <a:r>
+              <a:rPr lang="en-GB" sz="1200" b="0" i="0" kern="1200" dirty="0">
+                <a:solidFill>
+                  <a:schemeClr val="tx1"/>
+                </a:solidFill>
+                <a:effectLst/>
+                <a:latin typeface="+mn-lt"/>
+                <a:ea typeface="+mn-ea"/>
+                <a:cs typeface="+mn-cs"/>
+              </a:rPr>
+              <a:t>to angioplasty. There is no stent technology/product in the field at the moment lowering all of the risks. For example TLF rate of Magmaris, </a:t>
+            </a:r>
+            <a:r>
+              <a:rPr lang="en-GB" sz="1200" b="0" i="0" kern="1200" dirty="0" err="1">
+                <a:solidFill>
+                  <a:schemeClr val="tx1"/>
+                </a:solidFill>
+                <a:effectLst/>
+                <a:latin typeface="+mn-lt"/>
+                <a:ea typeface="+mn-ea"/>
+                <a:cs typeface="+mn-cs"/>
+              </a:rPr>
+              <a:t>Xience</a:t>
+            </a:r>
+            <a:r>
+              <a:rPr lang="en-GB" sz="1200" b="0" i="0" kern="1200" dirty="0">
+                <a:solidFill>
+                  <a:schemeClr val="tx1"/>
+                </a:solidFill>
+                <a:effectLst/>
+                <a:latin typeface="+mn-lt"/>
+                <a:ea typeface="+mn-ea"/>
+                <a:cs typeface="+mn-cs"/>
+              </a:rPr>
+              <a:t> and </a:t>
+            </a:r>
+            <a:r>
+              <a:rPr lang="en-GB" sz="1200" b="0" i="0" kern="1200" dirty="0" err="1">
+                <a:solidFill>
+                  <a:schemeClr val="tx1"/>
+                </a:solidFill>
+                <a:effectLst/>
+                <a:latin typeface="+mn-lt"/>
+                <a:ea typeface="+mn-ea"/>
+                <a:cs typeface="+mn-cs"/>
+              </a:rPr>
+              <a:t>Snyergy</a:t>
+            </a:r>
+            <a:r>
+              <a:rPr lang="en-GB" sz="1200" b="0" i="0" kern="1200" dirty="0">
+                <a:solidFill>
+                  <a:schemeClr val="tx1"/>
+                </a:solidFill>
+                <a:effectLst/>
+                <a:latin typeface="+mn-lt"/>
+                <a:ea typeface="+mn-ea"/>
+                <a:cs typeface="+mn-cs"/>
+              </a:rPr>
+              <a:t> is in the same range as well as scaffold thrombosis.  In Europe per year ca 191 stents </a:t>
+            </a:r>
+            <a:r>
+              <a:rPr lang="en-GB" sz="1200" b="0" i="0" kern="1200" dirty="0" err="1">
+                <a:solidFill>
+                  <a:schemeClr val="tx1"/>
+                </a:solidFill>
+                <a:effectLst/>
+                <a:latin typeface="+mn-lt"/>
+                <a:ea typeface="+mn-ea"/>
+                <a:cs typeface="+mn-cs"/>
+              </a:rPr>
+              <a:t>implantet</a:t>
+            </a:r>
+            <a:r>
+              <a:rPr lang="en-GB" sz="1200" b="0" i="0" kern="1200" dirty="0">
+                <a:solidFill>
+                  <a:schemeClr val="tx1"/>
+                </a:solidFill>
+                <a:effectLst/>
+                <a:latin typeface="+mn-lt"/>
+                <a:ea typeface="+mn-ea"/>
+                <a:cs typeface="+mn-cs"/>
+              </a:rPr>
+              <a:t> per 100.000 population, in Germany the number with 624 is 3.3 times higher. </a:t>
+            </a:r>
+            <a:br>
+              <a:rPr lang="en-GB" dirty="0"/>
+            </a:br>
+            <a:r>
+              <a:rPr lang="en-GB" sz="1200" b="0" i="0" kern="1200" dirty="0">
+                <a:solidFill>
+                  <a:schemeClr val="tx1"/>
+                </a:solidFill>
+                <a:effectLst/>
+                <a:latin typeface="+mn-lt"/>
+                <a:ea typeface="+mn-ea"/>
+                <a:cs typeface="+mn-cs"/>
+              </a:rPr>
+              <a:t>TLF rate is estimated to be approximately 6% (average of all conventional stents from different clinical studies). In Germany, this corresponds to around 38 patients who suffer from a TLF event every year, which often has fatal consequences. Doctors have no idea what exactly triggers TLF in connection with implanted stents. The big goal is to lower the TLF rate at Magmaris. For this, a risk assessment should be made possible individually for each patient before the implantation. Here we hope to be able to make our contribution.</a:t>
+            </a:r>
+          </a:p>
+          <a:p>
+            <a:br>
+              <a:rPr lang="en-GB" dirty="0"/>
+            </a:br>
+            <a:endParaRPr lang="en-GB" sz="1200" b="0" i="0" kern="1200" dirty="0">
+              <a:solidFill>
+                <a:schemeClr val="tx1"/>
+              </a:solidFill>
+              <a:effectLst/>
+              <a:latin typeface="+mn-lt"/>
+              <a:ea typeface="+mn-ea"/>
+              <a:cs typeface="+mn-cs"/>
+            </a:endParaRPr>
+          </a:p>
+          <a:p>
+            <a:endParaRPr lang="en-GB" sz="1200" b="0" i="0" kern="1200" dirty="0">
+              <a:solidFill>
+                <a:schemeClr val="tx1"/>
+              </a:solidFill>
+              <a:effectLst/>
+              <a:latin typeface="+mn-lt"/>
+              <a:ea typeface="+mn-ea"/>
+              <a:cs typeface="+mn-cs"/>
+            </a:endParaRPr>
+          </a:p>
+          <a:p>
+            <a:endParaRPr lang="en-GB" dirty="0"/>
           </a:p>
         </p:txBody>
       </p:sp>
@@ -4157,7 +4285,7 @@
     </p:spTree>
     <p:extLst>
       <p:ext uri="{BB962C8B-B14F-4D97-AF65-F5344CB8AC3E}">
-        <p14:creationId xmlns:p14="http://schemas.microsoft.com/office/powerpoint/2010/main" val="209783807"/>
+        <p14:creationId xmlns:p14="http://schemas.microsoft.com/office/powerpoint/2010/main" val="3272696343"/>
       </p:ext>
     </p:extLst>
   </p:cSld>
@@ -5140,11 +5268,6 @@
             </a:endParaRPr>
           </a:p>
           <a:p>
-            <a:endParaRPr lang="de-DE" dirty="0">
-              <a:sym typeface="Wingdings" panose="05000000000000000000" pitchFamily="2" charset="2"/>
-            </a:endParaRPr>
-          </a:p>
-          <a:p>
             <a:r>
               <a:rPr lang="en-US" sz="1200" b="0" i="0" u="none" strike="noStrike" kern="1200" dirty="0">
                 <a:solidFill>
@@ -5156,6 +5279,20 @@
                 <a:cs typeface="+mn-cs"/>
               </a:rPr>
               <a:t>Aims to investigate the clinical performance and long-term safety of Magmaris in a real world setting with patients having symptomatic coronary artery disease and individual de novo native coronary artery lesions. </a:t>
+            </a:r>
+          </a:p>
+          <a:p>
+            <a:r>
+              <a:rPr lang="en-US" sz="1200" b="0" i="0" u="none" strike="noStrike" kern="1200" dirty="0">
+                <a:solidFill>
+                  <a:schemeClr val="tx1"/>
+                </a:solidFill>
+                <a:effectLst/>
+                <a:latin typeface="+mn-lt"/>
+                <a:ea typeface="+mn-ea"/>
+                <a:cs typeface="+mn-cs"/>
+              </a:rPr>
+              <a:t>The study is open for male and female subjects which are at least 18 years old (mainly older adults enrolled, female (~1/3) mean-age = 65, male ~ 2/3, mean-age  ~ 61). 1985 enrolled by now, Patients from all over the world. </a:t>
             </a:r>
           </a:p>
           <a:p>
@@ -5171,17 +5308,347 @@
           </a:p>
           <a:p>
             <a:r>
-              <a:rPr lang="en-US" sz="1200" b="0" i="0" u="none" strike="noStrike" kern="1200" dirty="0">
-                <a:solidFill>
-                  <a:schemeClr val="tx1"/>
-                </a:solidFill>
-                <a:effectLst/>
-                <a:latin typeface="+mn-lt"/>
-                <a:ea typeface="+mn-ea"/>
-                <a:cs typeface="+mn-cs"/>
-              </a:rPr>
-              <a:t>The study is open for male and female subjects which are at least 18 years old (mainly older adults enrolled, female (~1/3) mean-age = 65, male ~ 2/3, mean-age  ~ 61). 1985 enrolled by now, Patients from all over the world. </a:t>
-            </a:r>
+              <a:rPr lang="de-DE" dirty="0"/>
+              <a:t>Study Design:</a:t>
+            </a:r>
+          </a:p>
+          <a:p>
+            <a:r>
+              <a:rPr lang="de-DE" dirty="0"/>
+              <a:t>Patient </a:t>
+            </a:r>
+            <a:r>
+              <a:rPr lang="de-DE" dirty="0" err="1"/>
+              <a:t>is</a:t>
+            </a:r>
+            <a:r>
+              <a:rPr lang="de-DE" dirty="0"/>
+              <a:t> </a:t>
+            </a:r>
+            <a:r>
+              <a:rPr lang="de-DE" dirty="0" err="1"/>
+              <a:t>enroled</a:t>
+            </a:r>
+            <a:r>
+              <a:rPr lang="de-DE" dirty="0"/>
+              <a:t> and before </a:t>
+            </a:r>
+            <a:r>
+              <a:rPr lang="de-DE" dirty="0" err="1"/>
+              <a:t>the</a:t>
+            </a:r>
+            <a:r>
+              <a:rPr lang="de-DE" dirty="0"/>
+              <a:t> procedure, </a:t>
+            </a:r>
+            <a:r>
+              <a:rPr lang="de-DE" dirty="0" err="1"/>
+              <a:t>some</a:t>
+            </a:r>
+            <a:r>
+              <a:rPr lang="de-DE" dirty="0"/>
+              <a:t> </a:t>
+            </a:r>
+            <a:r>
+              <a:rPr lang="de-DE" dirty="0" err="1"/>
+              <a:t>baseline</a:t>
+            </a:r>
+            <a:r>
+              <a:rPr lang="de-DE" dirty="0"/>
+              <a:t> information </a:t>
+            </a:r>
+            <a:r>
+              <a:rPr lang="de-DE" dirty="0" err="1"/>
+              <a:t>are</a:t>
+            </a:r>
+            <a:r>
+              <a:rPr lang="de-DE" dirty="0"/>
+              <a:t> </a:t>
+            </a:r>
+            <a:r>
+              <a:rPr lang="de-DE" dirty="0" err="1"/>
+              <a:t>given</a:t>
+            </a:r>
+            <a:r>
+              <a:rPr lang="de-DE" dirty="0"/>
+              <a:t> like Medical History, Risk </a:t>
+            </a:r>
+            <a:r>
+              <a:rPr lang="de-DE" dirty="0" err="1"/>
+              <a:t>Facorts</a:t>
+            </a:r>
+            <a:r>
+              <a:rPr lang="de-DE" dirty="0"/>
+              <a:t> (e.g. Smoking Habit).</a:t>
+            </a:r>
+          </a:p>
+          <a:p>
+            <a:r>
+              <a:rPr lang="de-DE" dirty="0"/>
+              <a:t>Procedure </a:t>
+            </a:r>
+            <a:r>
+              <a:rPr lang="de-DE" dirty="0" err="1"/>
+              <a:t>is</a:t>
+            </a:r>
+            <a:r>
+              <a:rPr lang="de-DE" dirty="0"/>
+              <a:t> </a:t>
+            </a:r>
+            <a:r>
+              <a:rPr lang="de-DE" dirty="0" err="1"/>
+              <a:t>documented</a:t>
+            </a:r>
+            <a:r>
+              <a:rPr lang="de-DE" dirty="0"/>
+              <a:t> </a:t>
+            </a:r>
+            <a:r>
+              <a:rPr lang="de-DE" dirty="0" err="1"/>
+              <a:t>very</a:t>
+            </a:r>
+            <a:r>
+              <a:rPr lang="de-DE" dirty="0"/>
+              <a:t> </a:t>
+            </a:r>
+            <a:r>
+              <a:rPr lang="de-DE" dirty="0" err="1"/>
+              <a:t>closely</a:t>
+            </a:r>
+            <a:r>
+              <a:rPr lang="de-DE" dirty="0"/>
+              <a:t> (</a:t>
+            </a:r>
+            <a:r>
+              <a:rPr lang="de-DE" dirty="0" err="1"/>
+              <a:t>duration</a:t>
+            </a:r>
+            <a:r>
+              <a:rPr lang="de-DE" dirty="0"/>
+              <a:t>, </a:t>
+            </a:r>
+            <a:r>
+              <a:rPr lang="de-DE" dirty="0" err="1"/>
+              <a:t>given</a:t>
+            </a:r>
+            <a:r>
+              <a:rPr lang="de-DE" dirty="0"/>
+              <a:t> </a:t>
+            </a:r>
+            <a:r>
+              <a:rPr lang="de-DE" dirty="0" err="1"/>
+              <a:t>medication</a:t>
+            </a:r>
+            <a:r>
+              <a:rPr lang="de-DE" dirty="0"/>
+              <a:t>, </a:t>
+            </a:r>
+            <a:r>
+              <a:rPr lang="de-DE" dirty="0" err="1"/>
+              <a:t>every</a:t>
+            </a:r>
+            <a:r>
+              <a:rPr lang="de-DE" dirty="0"/>
+              <a:t> advers </a:t>
+            </a:r>
+            <a:r>
+              <a:rPr lang="de-DE" dirty="0" err="1"/>
+              <a:t>event</a:t>
+            </a:r>
+            <a:r>
+              <a:rPr lang="de-DE" dirty="0"/>
+              <a:t> </a:t>
+            </a:r>
+            <a:r>
+              <a:rPr lang="de-DE" dirty="0" err="1"/>
+              <a:t>is</a:t>
+            </a:r>
+            <a:r>
+              <a:rPr lang="de-DE" dirty="0"/>
+              <a:t> </a:t>
+            </a:r>
+            <a:r>
+              <a:rPr lang="de-DE" dirty="0" err="1"/>
+              <a:t>reported</a:t>
+            </a:r>
+            <a:r>
+              <a:rPr lang="de-DE" dirty="0"/>
+              <a:t> </a:t>
+            </a:r>
+            <a:r>
+              <a:rPr lang="de-DE" dirty="0" err="1"/>
+              <a:t>as</a:t>
+            </a:r>
+            <a:r>
+              <a:rPr lang="de-DE" dirty="0"/>
+              <a:t> </a:t>
+            </a:r>
+            <a:r>
+              <a:rPr lang="de-DE" dirty="0" err="1"/>
+              <a:t>well</a:t>
+            </a:r>
+            <a:r>
+              <a:rPr lang="de-DE" dirty="0"/>
+              <a:t> </a:t>
+            </a:r>
+            <a:r>
+              <a:rPr lang="de-DE" dirty="0" err="1"/>
+              <a:t>as</a:t>
+            </a:r>
+            <a:r>
+              <a:rPr lang="de-DE" dirty="0"/>
+              <a:t> if </a:t>
+            </a:r>
+            <a:r>
+              <a:rPr lang="de-DE" dirty="0" err="1"/>
+              <a:t>any</a:t>
+            </a:r>
+            <a:r>
+              <a:rPr lang="de-DE" dirty="0"/>
+              <a:t> </a:t>
+            </a:r>
+            <a:r>
+              <a:rPr lang="de-DE" dirty="0" err="1"/>
+              <a:t>device</a:t>
+            </a:r>
+            <a:r>
+              <a:rPr lang="de-DE" dirty="0"/>
+              <a:t> </a:t>
+            </a:r>
+            <a:r>
+              <a:rPr lang="de-DE" dirty="0" err="1"/>
+              <a:t>deficiens</a:t>
+            </a:r>
+            <a:r>
+              <a:rPr lang="de-DE" dirty="0"/>
+              <a:t> </a:t>
+            </a:r>
+            <a:r>
+              <a:rPr lang="de-DE" dirty="0" err="1"/>
+              <a:t>are</a:t>
+            </a:r>
+            <a:r>
+              <a:rPr lang="de-DE" dirty="0"/>
+              <a:t> happend)</a:t>
+            </a:r>
+          </a:p>
+          <a:p>
+            <a:r>
+              <a:rPr lang="de-DE" dirty="0"/>
+              <a:t>For </a:t>
+            </a:r>
+            <a:r>
+              <a:rPr lang="de-DE" dirty="0" err="1"/>
+              <a:t>each</a:t>
+            </a:r>
+            <a:r>
+              <a:rPr lang="de-DE" dirty="0"/>
+              <a:t> follow-</a:t>
+            </a:r>
+            <a:r>
+              <a:rPr lang="de-DE" dirty="0" err="1"/>
+              <a:t>up</a:t>
+            </a:r>
+            <a:r>
+              <a:rPr lang="de-DE" dirty="0"/>
+              <a:t> </a:t>
+            </a:r>
+            <a:r>
+              <a:rPr lang="de-DE" dirty="0" err="1"/>
+              <a:t>the</a:t>
+            </a:r>
+            <a:r>
+              <a:rPr lang="de-DE" dirty="0"/>
+              <a:t> same </a:t>
+            </a:r>
+            <a:r>
+              <a:rPr lang="de-DE" dirty="0" err="1"/>
+              <a:t>things</a:t>
+            </a:r>
+            <a:r>
+              <a:rPr lang="de-DE" dirty="0"/>
+              <a:t> </a:t>
+            </a:r>
+            <a:r>
+              <a:rPr lang="de-DE" dirty="0" err="1"/>
+              <a:t>are</a:t>
+            </a:r>
+            <a:r>
+              <a:rPr lang="de-DE" dirty="0"/>
+              <a:t> </a:t>
+            </a:r>
+            <a:r>
+              <a:rPr lang="de-DE" dirty="0" err="1"/>
+              <a:t>reported</a:t>
+            </a:r>
+            <a:r>
+              <a:rPr lang="de-DE" dirty="0"/>
+              <a:t> </a:t>
+            </a:r>
+            <a:r>
+              <a:rPr lang="de-DE" dirty="0">
+                <a:sym typeface="Wingdings" panose="05000000000000000000" pitchFamily="2" charset="2"/>
+              </a:rPr>
+              <a:t> </a:t>
+            </a:r>
+            <a:r>
+              <a:rPr lang="de-DE" dirty="0" err="1">
+                <a:sym typeface="Wingdings" panose="05000000000000000000" pitchFamily="2" charset="2"/>
+              </a:rPr>
+              <a:t>issues</a:t>
+            </a:r>
+            <a:r>
+              <a:rPr lang="de-DE" dirty="0">
+                <a:sym typeface="Wingdings" panose="05000000000000000000" pitchFamily="2" charset="2"/>
+              </a:rPr>
+              <a:t> with </a:t>
+            </a:r>
+            <a:r>
+              <a:rPr lang="de-DE" dirty="0" err="1">
+                <a:sym typeface="Wingdings" panose="05000000000000000000" pitchFamily="2" charset="2"/>
+              </a:rPr>
+              <a:t>device</a:t>
+            </a:r>
+            <a:r>
+              <a:rPr lang="de-DE" dirty="0">
+                <a:sym typeface="Wingdings" panose="05000000000000000000" pitchFamily="2" charset="2"/>
+              </a:rPr>
+              <a:t> </a:t>
+            </a:r>
+            <a:r>
+              <a:rPr lang="de-DE" dirty="0" err="1">
+                <a:sym typeface="Wingdings" panose="05000000000000000000" pitchFamily="2" charset="2"/>
+              </a:rPr>
+              <a:t>or</a:t>
+            </a:r>
+            <a:r>
+              <a:rPr lang="de-DE" dirty="0">
+                <a:sym typeface="Wingdings" panose="05000000000000000000" pitchFamily="2" charset="2"/>
+              </a:rPr>
+              <a:t> </a:t>
+            </a:r>
+            <a:r>
+              <a:rPr lang="de-DE" dirty="0" err="1">
+                <a:sym typeface="Wingdings" panose="05000000000000000000" pitchFamily="2" charset="2"/>
+              </a:rPr>
+              <a:t>other</a:t>
+            </a:r>
+            <a:r>
+              <a:rPr lang="de-DE" dirty="0">
+                <a:sym typeface="Wingdings" panose="05000000000000000000" pitchFamily="2" charset="2"/>
+              </a:rPr>
+              <a:t> adverse events</a:t>
+            </a:r>
+          </a:p>
+          <a:p>
+            <a:endParaRPr lang="de-DE" dirty="0">
+              <a:sym typeface="Wingdings" panose="05000000000000000000" pitchFamily="2" charset="2"/>
+            </a:endParaRPr>
+          </a:p>
+          <a:p>
+            <a:endParaRPr lang="de-DE" dirty="0"/>
+          </a:p>
+          <a:p>
             <a:endParaRPr lang="de-DE" dirty="0"/>
           </a:p>
           <a:p>
@@ -5215,7 +5682,7 @@
     </p:spTree>
     <p:extLst>
       <p:ext uri="{BB962C8B-B14F-4D97-AF65-F5344CB8AC3E}">
-        <p14:creationId xmlns:p14="http://schemas.microsoft.com/office/powerpoint/2010/main" val="522000113"/>
+        <p14:creationId xmlns:p14="http://schemas.microsoft.com/office/powerpoint/2010/main" val="209783807"/>
       </p:ext>
     </p:extLst>
   </p:cSld>
@@ -5299,7 +5766,175 @@
     </p:spTree>
     <p:extLst>
       <p:ext uri="{BB962C8B-B14F-4D97-AF65-F5344CB8AC3E}">
+        <p14:creationId xmlns:p14="http://schemas.microsoft.com/office/powerpoint/2010/main" val="522000113"/>
+      </p:ext>
+    </p:extLst>
+  </p:cSld>
+  <p:clrMapOvr>
+    <a:masterClrMapping/>
+  </p:clrMapOvr>
+</p:notes>
+</file>
+
+<file path=ppt/notesSlides/notesSlide6.xml><?xml version="1.0" encoding="utf-8"?>
+<p:notes xmlns:a="http://schemas.openxmlformats.org/drawingml/2006/main" xmlns:r="http://schemas.openxmlformats.org/officeDocument/2006/relationships" xmlns:p="http://schemas.openxmlformats.org/presentationml/2006/main">
+  <p:cSld>
+    <p:spTree>
+      <p:nvGrpSpPr>
+        <p:cNvPr id="1" name=""/>
+        <p:cNvGrpSpPr/>
+        <p:nvPr/>
+      </p:nvGrpSpPr>
+      <p:grpSpPr>
+        <a:xfrm>
+          <a:off x="0" y="0"/>
+          <a:ext cx="0" cy="0"/>
+          <a:chOff x="0" y="0"/>
+          <a:chExt cx="0" cy="0"/>
+        </a:xfrm>
+      </p:grpSpPr>
+      <p:sp>
+        <p:nvSpPr>
+          <p:cNvPr id="2" name="Folienbildplatzhalter 1"/>
+          <p:cNvSpPr>
+            <a:spLocks noGrp="1" noRot="1" noChangeAspect="1"/>
+          </p:cNvSpPr>
+          <p:nvPr>
+            <p:ph type="sldImg"/>
+          </p:nvPr>
+        </p:nvSpPr>
+        <p:spPr/>
+      </p:sp>
+      <p:sp>
+        <p:nvSpPr>
+          <p:cNvPr id="3" name="Notizenplatzhalter 2"/>
+          <p:cNvSpPr>
+            <a:spLocks noGrp="1"/>
+          </p:cNvSpPr>
+          <p:nvPr>
+            <p:ph type="body" idx="1"/>
+          </p:nvPr>
+        </p:nvSpPr>
+        <p:spPr/>
+        <p:txBody>
+          <a:bodyPr/>
+          <a:lstStyle/>
+          <a:p>
+            <a:endParaRPr lang="de-DE" dirty="0"/>
+          </a:p>
+        </p:txBody>
+      </p:sp>
+      <p:sp>
+        <p:nvSpPr>
+          <p:cNvPr id="4" name="Foliennummernplatzhalter 3"/>
+          <p:cNvSpPr>
+            <a:spLocks noGrp="1"/>
+          </p:cNvSpPr>
+          <p:nvPr>
+            <p:ph type="sldNum" sz="quarter" idx="5"/>
+          </p:nvPr>
+        </p:nvSpPr>
+        <p:spPr/>
+        <p:txBody>
+          <a:bodyPr/>
+          <a:lstStyle/>
+          <a:p>
+            <a:fld id="{098BD289-3A29-45E8-AD20-ACE8C932FF07}" type="slidenum">
+              <a:rPr lang="de-DE" smtClean="0"/>
+              <a:t>6</a:t>
+            </a:fld>
+            <a:endParaRPr lang="de-DE"/>
+          </a:p>
+        </p:txBody>
+      </p:sp>
+    </p:spTree>
+    <p:extLst>
+      <p:ext uri="{BB962C8B-B14F-4D97-AF65-F5344CB8AC3E}">
         <p14:creationId xmlns:p14="http://schemas.microsoft.com/office/powerpoint/2010/main" val="1556040130"/>
+      </p:ext>
+    </p:extLst>
+  </p:cSld>
+  <p:clrMapOvr>
+    <a:masterClrMapping/>
+  </p:clrMapOvr>
+</p:notes>
+</file>
+
+<file path=ppt/notesSlides/notesSlide7.xml><?xml version="1.0" encoding="utf-8"?>
+<p:notes xmlns:a="http://schemas.openxmlformats.org/drawingml/2006/main" xmlns:r="http://schemas.openxmlformats.org/officeDocument/2006/relationships" xmlns:p="http://schemas.openxmlformats.org/presentationml/2006/main">
+  <p:cSld>
+    <p:spTree>
+      <p:nvGrpSpPr>
+        <p:cNvPr id="1" name=""/>
+        <p:cNvGrpSpPr/>
+        <p:nvPr/>
+      </p:nvGrpSpPr>
+      <p:grpSpPr>
+        <a:xfrm>
+          <a:off x="0" y="0"/>
+          <a:ext cx="0" cy="0"/>
+          <a:chOff x="0" y="0"/>
+          <a:chExt cx="0" cy="0"/>
+        </a:xfrm>
+      </p:grpSpPr>
+      <p:sp>
+        <p:nvSpPr>
+          <p:cNvPr id="2" name="Folienbildplatzhalter 1"/>
+          <p:cNvSpPr>
+            <a:spLocks noGrp="1" noRot="1" noChangeAspect="1"/>
+          </p:cNvSpPr>
+          <p:nvPr>
+            <p:ph type="sldImg"/>
+          </p:nvPr>
+        </p:nvSpPr>
+        <p:spPr/>
+      </p:sp>
+      <p:sp>
+        <p:nvSpPr>
+          <p:cNvPr id="3" name="Notizenplatzhalter 2"/>
+          <p:cNvSpPr>
+            <a:spLocks noGrp="1"/>
+          </p:cNvSpPr>
+          <p:nvPr>
+            <p:ph type="body" idx="1"/>
+          </p:nvPr>
+        </p:nvSpPr>
+        <p:spPr/>
+        <p:txBody>
+          <a:bodyPr/>
+          <a:lstStyle/>
+          <a:p>
+            <a:endParaRPr lang="en-GB" dirty="0"/>
+          </a:p>
+        </p:txBody>
+      </p:sp>
+      <p:sp>
+        <p:nvSpPr>
+          <p:cNvPr id="4" name="Foliennummernplatzhalter 3"/>
+          <p:cNvSpPr>
+            <a:spLocks noGrp="1"/>
+          </p:cNvSpPr>
+          <p:nvPr>
+            <p:ph type="sldNum" sz="quarter" idx="5"/>
+          </p:nvPr>
+        </p:nvSpPr>
+        <p:spPr/>
+        <p:txBody>
+          <a:bodyPr/>
+          <a:lstStyle/>
+          <a:p>
+            <a:fld id="{098BD289-3A29-45E8-AD20-ACE8C932FF07}" type="slidenum">
+              <a:rPr lang="de-DE" smtClean="0"/>
+              <a:t>7</a:t>
+            </a:fld>
+            <a:endParaRPr lang="de-DE"/>
+          </a:p>
+        </p:txBody>
+      </p:sp>
+    </p:spTree>
+    <p:extLst>
+      <p:ext uri="{BB962C8B-B14F-4D97-AF65-F5344CB8AC3E}">
+        <p14:creationId xmlns:p14="http://schemas.microsoft.com/office/powerpoint/2010/main" val="3891615551"/>
       </p:ext>
     </p:extLst>
   </p:cSld>
@@ -5861,7 +6496,7 @@
           <a:graphicData uri="http://schemas.openxmlformats.org/presentationml/2006/ole">
             <mc:AlternateContent xmlns:mc="http://schemas.openxmlformats.org/markup-compatibility/2006">
               <mc:Choice xmlns:v="urn:schemas-microsoft-com:vml" Requires="v">
-                <p:oleObj spid="_x0000_s8351" name="think-cell Folie" r:id="rId4" imgW="270" imgH="270" progId="TCLayout.ActiveDocument.1">
+                <p:oleObj spid="_x0000_s8358" name="think-cell Folie" r:id="rId4" imgW="270" imgH="270" progId="TCLayout.ActiveDocument.1">
                   <p:embed/>
                 </p:oleObj>
               </mc:Choice>
@@ -6231,7 +6866,7 @@
           <a:graphicData uri="http://schemas.openxmlformats.org/presentationml/2006/ole">
             <mc:AlternateContent xmlns:mc="http://schemas.openxmlformats.org/markup-compatibility/2006">
               <mc:Choice xmlns:v="urn:schemas-microsoft-com:vml" Requires="v">
-                <p:oleObj spid="_x0000_s2216" name="think-cell Folie" r:id="rId4" imgW="270" imgH="270" progId="TCLayout.ActiveDocument.1">
+                <p:oleObj spid="_x0000_s2223" name="think-cell Folie" r:id="rId4" imgW="270" imgH="270" progId="TCLayout.ActiveDocument.1">
                   <p:embed/>
                 </p:oleObj>
               </mc:Choice>
@@ -6687,7 +7322,7 @@
           <a:graphicData uri="http://schemas.openxmlformats.org/presentationml/2006/ole">
             <mc:AlternateContent xmlns:mc="http://schemas.openxmlformats.org/markup-compatibility/2006">
               <mc:Choice xmlns:v="urn:schemas-microsoft-com:vml" Requires="v">
-                <p:oleObj spid="_x0000_s4261" name="think-cell Folie" r:id="rId4" imgW="270" imgH="270" progId="TCLayout.ActiveDocument.1">
+                <p:oleObj spid="_x0000_s4268" name="think-cell Folie" r:id="rId4" imgW="270" imgH="270" progId="TCLayout.ActiveDocument.1">
                   <p:embed/>
                 </p:oleObj>
               </mc:Choice>
@@ -7309,7 +7944,7 @@
           <a:graphicData uri="http://schemas.openxmlformats.org/presentationml/2006/ole">
             <mc:AlternateContent xmlns:mc="http://schemas.openxmlformats.org/markup-compatibility/2006">
               <mc:Choice xmlns:v="urn:schemas-microsoft-com:vml" Requires="v">
-                <p:oleObj spid="_x0000_s5285" name="think-cell Folie" r:id="rId4" imgW="270" imgH="270" progId="TCLayout.ActiveDocument.1">
+                <p:oleObj spid="_x0000_s5292" name="think-cell Folie" r:id="rId4" imgW="270" imgH="270" progId="TCLayout.ActiveDocument.1">
                   <p:embed/>
                 </p:oleObj>
               </mc:Choice>
@@ -7879,7 +8514,7 @@
           <a:graphicData uri="http://schemas.openxmlformats.org/presentationml/2006/ole">
             <mc:AlternateContent xmlns:mc="http://schemas.openxmlformats.org/markup-compatibility/2006">
               <mc:Choice xmlns:v="urn:schemas-microsoft-com:vml" Requires="v">
-                <p:oleObj spid="_x0000_s6308" name="think-cell Folie" r:id="rId4" imgW="270" imgH="270" progId="TCLayout.ActiveDocument.1">
+                <p:oleObj spid="_x0000_s6315" name="think-cell Folie" r:id="rId4" imgW="270" imgH="270" progId="TCLayout.ActiveDocument.1">
                   <p:embed/>
                 </p:oleObj>
               </mc:Choice>
@@ -8506,7 +9141,7 @@
           <a:graphicData uri="http://schemas.openxmlformats.org/presentationml/2006/ole">
             <mc:AlternateContent xmlns:mc="http://schemas.openxmlformats.org/markup-compatibility/2006">
               <mc:Choice xmlns:v="urn:schemas-microsoft-com:vml" Requires="v">
-                <p:oleObj spid="_x0000_s7328" name="think-cell Folie" r:id="rId4" imgW="270" imgH="270" progId="TCLayout.ActiveDocument.1">
+                <p:oleObj spid="_x0000_s7335" name="think-cell Folie" r:id="rId4" imgW="270" imgH="270" progId="TCLayout.ActiveDocument.1">
                   <p:embed/>
                 </p:oleObj>
               </mc:Choice>
@@ -8813,7 +9448,7 @@
           <a:graphicData uri="http://schemas.openxmlformats.org/presentationml/2006/ole">
             <mc:AlternateContent xmlns:mc="http://schemas.openxmlformats.org/markup-compatibility/2006">
               <mc:Choice xmlns:v="urn:schemas-microsoft-com:vml" Requires="v">
-                <p:oleObj spid="_x0000_s1195" name="think-cell Folie" r:id="rId13" imgW="270" imgH="270" progId="TCLayout.ActiveDocument.1">
+                <p:oleObj spid="_x0000_s1202" name="think-cell Folie" r:id="rId13" imgW="270" imgH="270" progId="TCLayout.ActiveDocument.1">
                   <p:embed/>
                 </p:oleObj>
               </mc:Choice>
@@ -9611,38 +10246,31 @@
           <a:lstStyle/>
           <a:p>
             <a:r>
-              <a:rPr lang="de-DE" dirty="0">
+              <a:rPr lang="en-GB" noProof="0" dirty="0" err="1">
                 <a:latin typeface="Helvetica" panose="020B0604020202020204" pitchFamily="34" charset="0"/>
                 <a:cs typeface="Helvetica" panose="020B0604020202020204" pitchFamily="34" charset="0"/>
               </a:rPr>
-              <a:t>Pachl, Elisabeth</a:t>
-            </a:r>
-            <a:br>
-              <a:rPr lang="de-DE" dirty="0">
+              <a:t>Pachl</a:t>
+            </a:r>
+            <a:r>
+              <a:rPr lang="en-GB" noProof="0" dirty="0">
                 <a:latin typeface="Helvetica" panose="020B0604020202020204" pitchFamily="34" charset="0"/>
                 <a:cs typeface="Helvetica" panose="020B0604020202020204" pitchFamily="34" charset="0"/>
               </a:rPr>
-            </a:br>
-            <a:r>
-              <a:rPr lang="de-DE" dirty="0">
+              <a:t>, Elisabeth</a:t>
+            </a:r>
+            <a:br>
+              <a:rPr lang="en-GB" noProof="0" dirty="0">
                 <a:latin typeface="Helvetica" panose="020B0604020202020204" pitchFamily="34" charset="0"/>
                 <a:cs typeface="Helvetica" panose="020B0604020202020204" pitchFamily="34" charset="0"/>
               </a:rPr>
-              <a:t>23 </a:t>
-            </a:r>
-            <a:r>
-              <a:rPr lang="de-DE" dirty="0" err="1">
+            </a:br>
+            <a:r>
+              <a:rPr lang="en-GB" noProof="0" dirty="0">
                 <a:latin typeface="Helvetica" panose="020B0604020202020204" pitchFamily="34" charset="0"/>
                 <a:cs typeface="Helvetica" panose="020B0604020202020204" pitchFamily="34" charset="0"/>
               </a:rPr>
-              <a:t>July</a:t>
-            </a:r>
-            <a:r>
-              <a:rPr lang="de-DE" dirty="0">
-                <a:latin typeface="Helvetica" panose="020B0604020202020204" pitchFamily="34" charset="0"/>
-                <a:cs typeface="Helvetica" panose="020B0604020202020204" pitchFamily="34" charset="0"/>
-              </a:rPr>
-              <a:t> 2020</a:t>
+              <a:t>23 July 2020</a:t>
             </a:r>
           </a:p>
         </p:txBody>
@@ -9663,12 +10291,12 @@
           <a:lstStyle/>
           <a:p>
             <a:r>
-              <a:rPr lang="en-US" b="1" dirty="0">
+              <a:rPr lang="en-GB" b="1" noProof="0" dirty="0">
                 <a:latin typeface="+mj-lt"/>
               </a:rPr>
               <a:t>Prediction of Outcome for Angioplasty Surgery Patients</a:t>
             </a:r>
-            <a:endParaRPr lang="en-US" dirty="0">
+            <a:endParaRPr lang="en-GB" noProof="0" dirty="0">
               <a:latin typeface="+mj-lt"/>
               <a:cs typeface="Helvetica" panose="020B0604020202020204" pitchFamily="34" charset="0"/>
             </a:endParaRPr>
@@ -9841,7 +10469,7 @@
           <a:lstStyle/>
           <a:p>
             <a:r>
-              <a:rPr lang="en-US" dirty="0"/>
+              <a:rPr lang="en-GB" noProof="0" dirty="0"/>
               <a:t>Medical Background - Angioplasty</a:t>
             </a:r>
           </a:p>
@@ -10140,10 +10768,826 @@
   <p:clrMapOvr>
     <a:masterClrMapping/>
   </p:clrMapOvr>
+  <p:timing>
+    <p:tnLst>
+      <p:par>
+        <p:cTn id="1" dur="indefinite" restart="never" nodeType="tmRoot">
+          <p:childTnLst>
+            <p:seq concurrent="1" nextAc="seek">
+              <p:cTn id="2" dur="indefinite" nodeType="mainSeq">
+                <p:childTnLst>
+                  <p:par>
+                    <p:cTn id="3" fill="hold">
+                      <p:stCondLst>
+                        <p:cond delay="indefinite"/>
+                      </p:stCondLst>
+                      <p:childTnLst>
+                        <p:par>
+                          <p:cTn id="4" fill="hold">
+                            <p:stCondLst>
+                              <p:cond delay="0"/>
+                            </p:stCondLst>
+                            <p:childTnLst>
+                              <p:par>
+                                <p:cTn id="5" presetID="1" presetClass="entr" presetSubtype="0" fill="hold" nodeType="clickEffect">
+                                  <p:stCondLst>
+                                    <p:cond delay="0"/>
+                                  </p:stCondLst>
+                                  <p:childTnLst>
+                                    <p:set>
+                                      <p:cBhvr>
+                                        <p:cTn id="6" dur="1" fill="hold">
+                                          <p:stCondLst>
+                                            <p:cond delay="0"/>
+                                          </p:stCondLst>
+                                        </p:cTn>
+                                        <p:tgtEl>
+                                          <p:spTgt spid="6"/>
+                                        </p:tgtEl>
+                                        <p:attrNameLst>
+                                          <p:attrName>style.visibility</p:attrName>
+                                        </p:attrNameLst>
+                                      </p:cBhvr>
+                                      <p:to>
+                                        <p:strVal val="visible"/>
+                                      </p:to>
+                                    </p:set>
+                                  </p:childTnLst>
+                                </p:cTn>
+                              </p:par>
+                              <p:par>
+                                <p:cTn id="7" presetID="1" presetClass="entr" presetSubtype="0" fill="hold" nodeType="withEffect">
+                                  <p:stCondLst>
+                                    <p:cond delay="0"/>
+                                  </p:stCondLst>
+                                  <p:childTnLst>
+                                    <p:set>
+                                      <p:cBhvr>
+                                        <p:cTn id="8" dur="1" fill="hold">
+                                          <p:stCondLst>
+                                            <p:cond delay="0"/>
+                                          </p:stCondLst>
+                                        </p:cTn>
+                                        <p:tgtEl>
+                                          <p:spTgt spid="13">
+                                            <p:txEl>
+                                              <p:pRg st="0" end="0"/>
+                                            </p:txEl>
+                                          </p:spTgt>
+                                        </p:tgtEl>
+                                        <p:attrNameLst>
+                                          <p:attrName>style.visibility</p:attrName>
+                                        </p:attrNameLst>
+                                      </p:cBhvr>
+                                      <p:to>
+                                        <p:strVal val="visible"/>
+                                      </p:to>
+                                    </p:set>
+                                  </p:childTnLst>
+                                </p:cTn>
+                              </p:par>
+                              <p:par>
+                                <p:cTn id="9" presetID="1" presetClass="entr" presetSubtype="0" fill="hold" nodeType="withEffect">
+                                  <p:stCondLst>
+                                    <p:cond delay="0"/>
+                                  </p:stCondLst>
+                                  <p:childTnLst>
+                                    <p:set>
+                                      <p:cBhvr>
+                                        <p:cTn id="10" dur="1" fill="hold">
+                                          <p:stCondLst>
+                                            <p:cond delay="0"/>
+                                          </p:stCondLst>
+                                        </p:cTn>
+                                        <p:tgtEl>
+                                          <p:spTgt spid="13">
+                                            <p:txEl>
+                                              <p:pRg st="1" end="1"/>
+                                            </p:txEl>
+                                          </p:spTgt>
+                                        </p:tgtEl>
+                                        <p:attrNameLst>
+                                          <p:attrName>style.visibility</p:attrName>
+                                        </p:attrNameLst>
+                                      </p:cBhvr>
+                                      <p:to>
+                                        <p:strVal val="visible"/>
+                                      </p:to>
+                                    </p:set>
+                                  </p:childTnLst>
+                                </p:cTn>
+                              </p:par>
+                              <p:par>
+                                <p:cTn id="11" presetID="1" presetClass="entr" presetSubtype="0" fill="hold" nodeType="withEffect">
+                                  <p:stCondLst>
+                                    <p:cond delay="0"/>
+                                  </p:stCondLst>
+                                  <p:childTnLst>
+                                    <p:set>
+                                      <p:cBhvr>
+                                        <p:cTn id="12" dur="1" fill="hold">
+                                          <p:stCondLst>
+                                            <p:cond delay="0"/>
+                                          </p:stCondLst>
+                                        </p:cTn>
+                                        <p:tgtEl>
+                                          <p:spTgt spid="13">
+                                            <p:txEl>
+                                              <p:pRg st="2" end="2"/>
+                                            </p:txEl>
+                                          </p:spTgt>
+                                        </p:tgtEl>
+                                        <p:attrNameLst>
+                                          <p:attrName>style.visibility</p:attrName>
+                                        </p:attrNameLst>
+                                      </p:cBhvr>
+                                      <p:to>
+                                        <p:strVal val="visible"/>
+                                      </p:to>
+                                    </p:set>
+                                  </p:childTnLst>
+                                </p:cTn>
+                              </p:par>
+                              <p:par>
+                                <p:cTn id="13" presetID="1" presetClass="entr" presetSubtype="0" fill="hold" nodeType="withEffect">
+                                  <p:stCondLst>
+                                    <p:cond delay="0"/>
+                                  </p:stCondLst>
+                                  <p:childTnLst>
+                                    <p:set>
+                                      <p:cBhvr>
+                                        <p:cTn id="14" dur="1" fill="hold">
+                                          <p:stCondLst>
+                                            <p:cond delay="0"/>
+                                          </p:stCondLst>
+                                        </p:cTn>
+                                        <p:tgtEl>
+                                          <p:spTgt spid="13">
+                                            <p:txEl>
+                                              <p:pRg st="3" end="3"/>
+                                            </p:txEl>
+                                          </p:spTgt>
+                                        </p:tgtEl>
+                                        <p:attrNameLst>
+                                          <p:attrName>style.visibility</p:attrName>
+                                        </p:attrNameLst>
+                                      </p:cBhvr>
+                                      <p:to>
+                                        <p:strVal val="visible"/>
+                                      </p:to>
+                                    </p:set>
+                                  </p:childTnLst>
+                                </p:cTn>
+                              </p:par>
+                              <p:par>
+                                <p:cTn id="15" presetID="1" presetClass="entr" presetSubtype="0" fill="hold" nodeType="withEffect">
+                                  <p:stCondLst>
+                                    <p:cond delay="0"/>
+                                  </p:stCondLst>
+                                  <p:childTnLst>
+                                    <p:set>
+                                      <p:cBhvr>
+                                        <p:cTn id="16" dur="1" fill="hold">
+                                          <p:stCondLst>
+                                            <p:cond delay="0"/>
+                                          </p:stCondLst>
+                                        </p:cTn>
+                                        <p:tgtEl>
+                                          <p:spTgt spid="13">
+                                            <p:txEl>
+                                              <p:pRg st="4" end="4"/>
+                                            </p:txEl>
+                                          </p:spTgt>
+                                        </p:tgtEl>
+                                        <p:attrNameLst>
+                                          <p:attrName>style.visibility</p:attrName>
+                                        </p:attrNameLst>
+                                      </p:cBhvr>
+                                      <p:to>
+                                        <p:strVal val="visible"/>
+                                      </p:to>
+                                    </p:set>
+                                  </p:childTnLst>
+                                </p:cTn>
+                              </p:par>
+                            </p:childTnLst>
+                          </p:cTn>
+                        </p:par>
+                      </p:childTnLst>
+                    </p:cTn>
+                  </p:par>
+                  <p:par>
+                    <p:cTn id="17" fill="hold">
+                      <p:stCondLst>
+                        <p:cond delay="indefinite"/>
+                      </p:stCondLst>
+                      <p:childTnLst>
+                        <p:par>
+                          <p:cTn id="18" fill="hold">
+                            <p:stCondLst>
+                              <p:cond delay="0"/>
+                            </p:stCondLst>
+                            <p:childTnLst>
+                              <p:par>
+                                <p:cTn id="19" presetID="1" presetClass="entr" presetSubtype="0" fill="hold" nodeType="clickEffect">
+                                  <p:stCondLst>
+                                    <p:cond delay="0"/>
+                                  </p:stCondLst>
+                                  <p:childTnLst>
+                                    <p:set>
+                                      <p:cBhvr>
+                                        <p:cTn id="20" dur="1" fill="hold">
+                                          <p:stCondLst>
+                                            <p:cond delay="0"/>
+                                          </p:stCondLst>
+                                        </p:cTn>
+                                        <p:tgtEl>
+                                          <p:spTgt spid="13">
+                                            <p:txEl>
+                                              <p:pRg st="6" end="6"/>
+                                            </p:txEl>
+                                          </p:spTgt>
+                                        </p:tgtEl>
+                                        <p:attrNameLst>
+                                          <p:attrName>style.visibility</p:attrName>
+                                        </p:attrNameLst>
+                                      </p:cBhvr>
+                                      <p:to>
+                                        <p:strVal val="visible"/>
+                                      </p:to>
+                                    </p:set>
+                                  </p:childTnLst>
+                                </p:cTn>
+                              </p:par>
+                            </p:childTnLst>
+                          </p:cTn>
+                        </p:par>
+                      </p:childTnLst>
+                    </p:cTn>
+                  </p:par>
+                  <p:par>
+                    <p:cTn id="21" fill="hold">
+                      <p:stCondLst>
+                        <p:cond delay="indefinite"/>
+                      </p:stCondLst>
+                      <p:childTnLst>
+                        <p:par>
+                          <p:cTn id="22" fill="hold">
+                            <p:stCondLst>
+                              <p:cond delay="0"/>
+                            </p:stCondLst>
+                            <p:childTnLst>
+                              <p:par>
+                                <p:cTn id="23" presetID="1" presetClass="entr" presetSubtype="0" fill="hold" nodeType="clickEffect">
+                                  <p:stCondLst>
+                                    <p:cond delay="0"/>
+                                  </p:stCondLst>
+                                  <p:childTnLst>
+                                    <p:set>
+                                      <p:cBhvr>
+                                        <p:cTn id="24" dur="1" fill="hold">
+                                          <p:stCondLst>
+                                            <p:cond delay="0"/>
+                                          </p:stCondLst>
+                                        </p:cTn>
+                                        <p:tgtEl>
+                                          <p:spTgt spid="13">
+                                            <p:txEl>
+                                              <p:pRg st="8" end="8"/>
+                                            </p:txEl>
+                                          </p:spTgt>
+                                        </p:tgtEl>
+                                        <p:attrNameLst>
+                                          <p:attrName>style.visibility</p:attrName>
+                                        </p:attrNameLst>
+                                      </p:cBhvr>
+                                      <p:to>
+                                        <p:strVal val="visible"/>
+                                      </p:to>
+                                    </p:set>
+                                  </p:childTnLst>
+                                </p:cTn>
+                              </p:par>
+                            </p:childTnLst>
+                          </p:cTn>
+                        </p:par>
+                      </p:childTnLst>
+                    </p:cTn>
+                  </p:par>
+                </p:childTnLst>
+              </p:cTn>
+              <p:prevCondLst>
+                <p:cond evt="onPrev" delay="0">
+                  <p:tgtEl>
+                    <p:sldTgt/>
+                  </p:tgtEl>
+                </p:cond>
+              </p:prevCondLst>
+              <p:nextCondLst>
+                <p:cond evt="onNext" delay="0">
+                  <p:tgtEl>
+                    <p:sldTgt/>
+                  </p:tgtEl>
+                </p:cond>
+              </p:nextCondLst>
+            </p:seq>
+          </p:childTnLst>
+        </p:cTn>
+      </p:par>
+    </p:tnLst>
+  </p:timing>
 </p:sld>
 </file>
 
 <file path=ppt/slides/slide3.xml><?xml version="1.0" encoding="utf-8"?>
+<p:sld xmlns:a="http://schemas.openxmlformats.org/drawingml/2006/main" xmlns:r="http://schemas.openxmlformats.org/officeDocument/2006/relationships" xmlns:p="http://schemas.openxmlformats.org/presentationml/2006/main">
+  <p:cSld>
+    <p:spTree>
+      <p:nvGrpSpPr>
+        <p:cNvPr id="1" name=""/>
+        <p:cNvGrpSpPr/>
+        <p:nvPr/>
+      </p:nvGrpSpPr>
+      <p:grpSpPr>
+        <a:xfrm>
+          <a:off x="0" y="0"/>
+          <a:ext cx="0" cy="0"/>
+          <a:chOff x="0" y="0"/>
+          <a:chExt cx="0" cy="0"/>
+        </a:xfrm>
+      </p:grpSpPr>
+      <p:sp>
+        <p:nvSpPr>
+          <p:cNvPr id="2" name="Titel 1">
+            <a:extLst>
+              <a:ext uri="{FF2B5EF4-FFF2-40B4-BE49-F238E27FC236}">
+                <a16:creationId xmlns:a16="http://schemas.microsoft.com/office/drawing/2014/main" id="{56D1FCE2-BA6A-4718-A0AF-E2F32F17FDF2}"/>
+              </a:ext>
+            </a:extLst>
+          </p:cNvPr>
+          <p:cNvSpPr>
+            <a:spLocks noGrp="1"/>
+          </p:cNvSpPr>
+          <p:nvPr>
+            <p:ph type="title"/>
+          </p:nvPr>
+        </p:nvSpPr>
+        <p:spPr/>
+        <p:txBody>
+          <a:bodyPr/>
+          <a:lstStyle/>
+          <a:p>
+            <a:endParaRPr lang="en-GB" noProof="0" dirty="0"/>
+          </a:p>
+        </p:txBody>
+      </p:sp>
+      <p:sp>
+        <p:nvSpPr>
+          <p:cNvPr id="3" name="Foliennummernplatzhalter 2">
+            <a:extLst>
+              <a:ext uri="{FF2B5EF4-FFF2-40B4-BE49-F238E27FC236}">
+                <a16:creationId xmlns:a16="http://schemas.microsoft.com/office/drawing/2014/main" id="{F1430A66-176A-4114-849A-65B1F3DE53AD}"/>
+              </a:ext>
+            </a:extLst>
+          </p:cNvPr>
+          <p:cNvSpPr>
+            <a:spLocks noGrp="1"/>
+          </p:cNvSpPr>
+          <p:nvPr>
+            <p:ph type="sldNum" sz="quarter" idx="12"/>
+          </p:nvPr>
+        </p:nvSpPr>
+        <p:spPr/>
+        <p:txBody>
+          <a:bodyPr/>
+          <a:lstStyle/>
+          <a:p>
+            <a:fld id="{1744B4DD-8F10-491C-BFC2-D4DC64F16D79}" type="slidenum">
+              <a:rPr lang="de-DE" smtClean="0"/>
+              <a:pPr/>
+              <a:t>3</a:t>
+            </a:fld>
+            <a:r>
+              <a:rPr lang="de-DE">
+                <a:ea typeface="Verdana"/>
+                <a:cs typeface="Verdana"/>
+              </a:rPr>
+              <a:t>│</a:t>
+            </a:r>
+            <a:endParaRPr lang="de-DE" dirty="0"/>
+          </a:p>
+        </p:txBody>
+      </p:sp>
+      <p:pic>
+        <p:nvPicPr>
+          <p:cNvPr id="5" name="Grafik 4">
+            <a:extLst>
+              <a:ext uri="{FF2B5EF4-FFF2-40B4-BE49-F238E27FC236}">
+                <a16:creationId xmlns:a16="http://schemas.microsoft.com/office/drawing/2014/main" id="{51D443F0-E6AB-4D54-9D6A-77F06F81A984}"/>
+              </a:ext>
+            </a:extLst>
+          </p:cNvPr>
+          <p:cNvPicPr>
+            <a:picLocks noChangeAspect="1"/>
+          </p:cNvPicPr>
+          <p:nvPr/>
+        </p:nvPicPr>
+        <p:blipFill>
+          <a:blip r:embed="rId3"/>
+          <a:stretch>
+            <a:fillRect/>
+          </a:stretch>
+        </p:blipFill>
+        <p:spPr>
+          <a:xfrm>
+            <a:off x="3892044" y="3583460"/>
+            <a:ext cx="5251956" cy="2439433"/>
+          </a:xfrm>
+          <a:prstGeom prst="rect">
+            <a:avLst/>
+          </a:prstGeom>
+        </p:spPr>
+      </p:pic>
+      <p:pic>
+        <p:nvPicPr>
+          <p:cNvPr id="4" name="Grafik 3">
+            <a:extLst>
+              <a:ext uri="{FF2B5EF4-FFF2-40B4-BE49-F238E27FC236}">
+                <a16:creationId xmlns:a16="http://schemas.microsoft.com/office/drawing/2014/main" id="{EE285D23-6092-4671-9D15-2EEA3E2E44FD}"/>
+              </a:ext>
+            </a:extLst>
+          </p:cNvPr>
+          <p:cNvPicPr>
+            <a:picLocks noChangeAspect="1"/>
+          </p:cNvPicPr>
+          <p:nvPr/>
+        </p:nvPicPr>
+        <p:blipFill>
+          <a:blip r:embed="rId4"/>
+          <a:stretch>
+            <a:fillRect/>
+          </a:stretch>
+        </p:blipFill>
+        <p:spPr>
+          <a:xfrm>
+            <a:off x="37071" y="1124465"/>
+            <a:ext cx="5347828" cy="2706130"/>
+          </a:xfrm>
+          <a:prstGeom prst="rect">
+            <a:avLst/>
+          </a:prstGeom>
+        </p:spPr>
+      </p:pic>
+      <p:graphicFrame>
+        <p:nvGraphicFramePr>
+          <p:cNvPr id="8" name="Tabelle 8">
+            <a:extLst>
+              <a:ext uri="{FF2B5EF4-FFF2-40B4-BE49-F238E27FC236}">
+                <a16:creationId xmlns:a16="http://schemas.microsoft.com/office/drawing/2014/main" id="{BF391FB9-65CE-4A3D-8797-837F3399E847}"/>
+              </a:ext>
+            </a:extLst>
+          </p:cNvPr>
+          <p:cNvGraphicFramePr>
+            <a:graphicFrameLocks noGrp="1"/>
+          </p:cNvGraphicFramePr>
+          <p:nvPr>
+            <p:extLst>
+              <p:ext uri="{D42A27DB-BD31-4B8C-83A1-F6EECF244321}">
+                <p14:modId xmlns:p14="http://schemas.microsoft.com/office/powerpoint/2010/main" val="531343694"/>
+              </p:ext>
+            </p:extLst>
+          </p:nvPr>
+        </p:nvGraphicFramePr>
+        <p:xfrm>
+          <a:off x="388019" y="4239296"/>
+          <a:ext cx="3491668" cy="1127760"/>
+        </p:xfrm>
+        <a:graphic>
+          <a:graphicData uri="http://schemas.openxmlformats.org/drawingml/2006/table">
+            <a:tbl>
+              <a:tblPr bandRow="1">
+                <a:tableStyleId>{5C22544A-7EE6-4342-B048-85BDC9FD1C3A}</a:tableStyleId>
+              </a:tblPr>
+              <a:tblGrid>
+                <a:gridCol w="951470">
+                  <a:extLst>
+                    <a:ext uri="{9D8B030D-6E8A-4147-A177-3AD203B41FA5}">
+                      <a16:colId xmlns:a16="http://schemas.microsoft.com/office/drawing/2014/main" val="3611530091"/>
+                    </a:ext>
+                  </a:extLst>
+                </a:gridCol>
+                <a:gridCol w="2540198">
+                  <a:extLst>
+                    <a:ext uri="{9D8B030D-6E8A-4147-A177-3AD203B41FA5}">
+                      <a16:colId xmlns:a16="http://schemas.microsoft.com/office/drawing/2014/main" val="4021953717"/>
+                    </a:ext>
+                  </a:extLst>
+                </a:gridCol>
+              </a:tblGrid>
+              <a:tr h="457884">
+                <a:tc>
+                  <a:txBody>
+                    <a:bodyPr/>
+                    <a:lstStyle/>
+                    <a:p>
+                      <a:r>
+                        <a:rPr lang="de-DE" sz="1400" b="1" dirty="0"/>
+                        <a:t>Region</a:t>
+                      </a:r>
+                      <a:endParaRPr lang="en-GB" sz="1400" b="1" dirty="0"/>
+                    </a:p>
+                  </a:txBody>
+                  <a:tcPr/>
+                </a:tc>
+                <a:tc>
+                  <a:txBody>
+                    <a:bodyPr/>
+                    <a:lstStyle/>
+                    <a:p>
+                      <a:r>
+                        <a:rPr lang="de-DE" sz="1400" b="1" dirty="0" err="1"/>
+                        <a:t>Implanted</a:t>
+                      </a:r>
+                      <a:r>
+                        <a:rPr lang="de-DE" sz="1400" b="1" dirty="0"/>
+                        <a:t> Stents/100.000 </a:t>
+                      </a:r>
+                      <a:r>
+                        <a:rPr lang="de-DE" sz="1400" b="1" dirty="0" err="1"/>
+                        <a:t>population</a:t>
+                      </a:r>
+                      <a:endParaRPr lang="en-GB" sz="1400" b="1" dirty="0"/>
+                    </a:p>
+                  </a:txBody>
+                  <a:tcPr/>
+                </a:tc>
+                <a:extLst>
+                  <a:ext uri="{0D108BD9-81ED-4DB2-BD59-A6C34878D82A}">
+                    <a16:rowId xmlns:a16="http://schemas.microsoft.com/office/drawing/2014/main" val="2637265817"/>
+                  </a:ext>
+                </a:extLst>
+              </a:tr>
+              <a:tr h="269343">
+                <a:tc>
+                  <a:txBody>
+                    <a:bodyPr/>
+                    <a:lstStyle/>
+                    <a:p>
+                      <a:r>
+                        <a:rPr lang="de-DE" sz="1400" dirty="0"/>
+                        <a:t>Europe</a:t>
+                      </a:r>
+                      <a:endParaRPr lang="en-GB" sz="1400" dirty="0"/>
+                    </a:p>
+                  </a:txBody>
+                  <a:tcPr/>
+                </a:tc>
+                <a:tc>
+                  <a:txBody>
+                    <a:bodyPr/>
+                    <a:lstStyle/>
+                    <a:p>
+                      <a:r>
+                        <a:rPr lang="de-DE" sz="1400" dirty="0"/>
+                        <a:t>191</a:t>
+                      </a:r>
+                      <a:endParaRPr lang="en-GB" sz="1400" dirty="0"/>
+                    </a:p>
+                  </a:txBody>
+                  <a:tcPr/>
+                </a:tc>
+                <a:extLst>
+                  <a:ext uri="{0D108BD9-81ED-4DB2-BD59-A6C34878D82A}">
+                    <a16:rowId xmlns:a16="http://schemas.microsoft.com/office/drawing/2014/main" val="1452235716"/>
+                  </a:ext>
+                </a:extLst>
+              </a:tr>
+              <a:tr h="269343">
+                <a:tc>
+                  <a:txBody>
+                    <a:bodyPr/>
+                    <a:lstStyle/>
+                    <a:p>
+                      <a:r>
+                        <a:rPr lang="de-DE" sz="1400" dirty="0"/>
+                        <a:t>Germany</a:t>
+                      </a:r>
+                      <a:endParaRPr lang="en-GB" sz="1400" dirty="0"/>
+                    </a:p>
+                  </a:txBody>
+                  <a:tcPr/>
+                </a:tc>
+                <a:tc>
+                  <a:txBody>
+                    <a:bodyPr/>
+                    <a:lstStyle/>
+                    <a:p>
+                      <a:r>
+                        <a:rPr lang="en-GB" sz="1400" b="0" i="0" kern="1200" dirty="0">
+                          <a:solidFill>
+                            <a:schemeClr val="dk1"/>
+                          </a:solidFill>
+                          <a:effectLst/>
+                          <a:latin typeface="+mn-lt"/>
+                          <a:ea typeface="+mn-ea"/>
+                          <a:cs typeface="+mn-cs"/>
+                        </a:rPr>
+                        <a:t>624 </a:t>
+                      </a:r>
+                      <a:endParaRPr lang="en-GB" sz="1400" dirty="0"/>
+                    </a:p>
+                  </a:txBody>
+                  <a:tcPr/>
+                </a:tc>
+                <a:extLst>
+                  <a:ext uri="{0D108BD9-81ED-4DB2-BD59-A6C34878D82A}">
+                    <a16:rowId xmlns:a16="http://schemas.microsoft.com/office/drawing/2014/main" val="488407122"/>
+                  </a:ext>
+                </a:extLst>
+              </a:tr>
+            </a:tbl>
+          </a:graphicData>
+        </a:graphic>
+      </p:graphicFrame>
+    </p:spTree>
+    <p:extLst>
+      <p:ext uri="{BB962C8B-B14F-4D97-AF65-F5344CB8AC3E}">
+        <p14:creationId xmlns:p14="http://schemas.microsoft.com/office/powerpoint/2010/main" val="3916109273"/>
+      </p:ext>
+    </p:extLst>
+  </p:cSld>
+  <p:clrMapOvr>
+    <a:masterClrMapping/>
+  </p:clrMapOvr>
+  <p:timing>
+    <p:tnLst>
+      <p:par>
+        <p:cTn id="1" dur="indefinite" restart="never" nodeType="tmRoot">
+          <p:childTnLst>
+            <p:seq concurrent="1" nextAc="seek">
+              <p:cTn id="2" dur="indefinite" nodeType="mainSeq">
+                <p:childTnLst>
+                  <p:par>
+                    <p:cTn id="3" fill="hold">
+                      <p:stCondLst>
+                        <p:cond delay="indefinite"/>
+                      </p:stCondLst>
+                      <p:childTnLst>
+                        <p:par>
+                          <p:cTn id="4" fill="hold">
+                            <p:stCondLst>
+                              <p:cond delay="0"/>
+                            </p:stCondLst>
+                            <p:childTnLst>
+                              <p:par>
+                                <p:cTn id="5" presetID="1" presetClass="entr" presetSubtype="0" fill="hold" nodeType="clickEffect">
+                                  <p:stCondLst>
+                                    <p:cond delay="0"/>
+                                  </p:stCondLst>
+                                  <p:childTnLst>
+                                    <p:set>
+                                      <p:cBhvr>
+                                        <p:cTn id="6" dur="1" fill="hold">
+                                          <p:stCondLst>
+                                            <p:cond delay="0"/>
+                                          </p:stCondLst>
+                                        </p:cTn>
+                                        <p:tgtEl>
+                                          <p:spTgt spid="5"/>
+                                        </p:tgtEl>
+                                        <p:attrNameLst>
+                                          <p:attrName>style.visibility</p:attrName>
+                                        </p:attrNameLst>
+                                      </p:cBhvr>
+                                      <p:to>
+                                        <p:strVal val="visible"/>
+                                      </p:to>
+                                    </p:set>
+                                  </p:childTnLst>
+                                </p:cTn>
+                              </p:par>
+                            </p:childTnLst>
+                          </p:cTn>
+                        </p:par>
+                      </p:childTnLst>
+                    </p:cTn>
+                  </p:par>
+                  <p:par>
+                    <p:cTn id="7" fill="hold">
+                      <p:stCondLst>
+                        <p:cond delay="indefinite"/>
+                      </p:stCondLst>
+                      <p:childTnLst>
+                        <p:par>
+                          <p:cTn id="8" fill="hold">
+                            <p:stCondLst>
+                              <p:cond delay="0"/>
+                            </p:stCondLst>
+                            <p:childTnLst>
+                              <p:par>
+                                <p:cTn id="9" presetID="1" presetClass="entr" presetSubtype="0" fill="hold" nodeType="clickEffect">
+                                  <p:stCondLst>
+                                    <p:cond delay="0"/>
+                                  </p:stCondLst>
+                                  <p:childTnLst>
+                                    <p:set>
+                                      <p:cBhvr>
+                                        <p:cTn id="10" dur="1" fill="hold">
+                                          <p:stCondLst>
+                                            <p:cond delay="0"/>
+                                          </p:stCondLst>
+                                        </p:cTn>
+                                        <p:tgtEl>
+                                          <p:spTgt spid="4"/>
+                                        </p:tgtEl>
+                                        <p:attrNameLst>
+                                          <p:attrName>style.visibility</p:attrName>
+                                        </p:attrNameLst>
+                                      </p:cBhvr>
+                                      <p:to>
+                                        <p:strVal val="visible"/>
+                                      </p:to>
+                                    </p:set>
+                                  </p:childTnLst>
+                                </p:cTn>
+                              </p:par>
+                            </p:childTnLst>
+                          </p:cTn>
+                        </p:par>
+                      </p:childTnLst>
+                    </p:cTn>
+                  </p:par>
+                  <p:par>
+                    <p:cTn id="11" fill="hold">
+                      <p:stCondLst>
+                        <p:cond delay="indefinite"/>
+                      </p:stCondLst>
+                      <p:childTnLst>
+                        <p:par>
+                          <p:cTn id="12" fill="hold">
+                            <p:stCondLst>
+                              <p:cond delay="0"/>
+                            </p:stCondLst>
+                            <p:childTnLst>
+                              <p:par>
+                                <p:cTn id="13" presetID="1" presetClass="entr" presetSubtype="0" fill="hold" nodeType="clickEffect">
+                                  <p:stCondLst>
+                                    <p:cond delay="0"/>
+                                  </p:stCondLst>
+                                  <p:childTnLst>
+                                    <p:set>
+                                      <p:cBhvr>
+                                        <p:cTn id="14" dur="1" fill="hold">
+                                          <p:stCondLst>
+                                            <p:cond delay="0"/>
+                                          </p:stCondLst>
+                                        </p:cTn>
+                                        <p:tgtEl>
+                                          <p:spTgt spid="8"/>
+                                        </p:tgtEl>
+                                        <p:attrNameLst>
+                                          <p:attrName>style.visibility</p:attrName>
+                                        </p:attrNameLst>
+                                      </p:cBhvr>
+                                      <p:to>
+                                        <p:strVal val="visible"/>
+                                      </p:to>
+                                    </p:set>
+                                  </p:childTnLst>
+                                </p:cTn>
+                              </p:par>
+                            </p:childTnLst>
+                          </p:cTn>
+                        </p:par>
+                      </p:childTnLst>
+                    </p:cTn>
+                  </p:par>
+                </p:childTnLst>
+              </p:cTn>
+              <p:prevCondLst>
+                <p:cond evt="onPrev" delay="0">
+                  <p:tgtEl>
+                    <p:sldTgt/>
+                  </p:tgtEl>
+                </p:cond>
+              </p:prevCondLst>
+              <p:nextCondLst>
+                <p:cond evt="onNext" delay="0">
+                  <p:tgtEl>
+                    <p:sldTgt/>
+                  </p:tgtEl>
+                </p:cond>
+              </p:nextCondLst>
+            </p:seq>
+          </p:childTnLst>
+        </p:cTn>
+      </p:par>
+    </p:tnLst>
+  </p:timing>
+</p:sld>
+</file>
+
+<file path=ppt/slides/slide4.xml><?xml version="1.0" encoding="utf-8"?>
 <p:sld xmlns:a="http://schemas.openxmlformats.org/drawingml/2006/main" xmlns:r="http://schemas.openxmlformats.org/officeDocument/2006/relationships" xmlns:p="http://schemas.openxmlformats.org/presentationml/2006/main" showMasterSp="0">
   <p:cSld>
     <p:spTree>
@@ -10228,10 +11672,9 @@
           <a:lstStyle/>
           <a:p>
             <a:r>
-              <a:rPr lang="en-US" dirty="0"/>
+              <a:rPr lang="en-GB" noProof="0" dirty="0"/>
               <a:t>Data and Cohort</a:t>
             </a:r>
-            <a:endParaRPr lang="de-DE" dirty="0"/>
           </a:p>
         </p:txBody>
       </p:sp>
@@ -10253,7 +11696,7 @@
             <a:fld id="{1744B4DD-8F10-491C-BFC2-D4DC64F16D79}" type="slidenum">
               <a:rPr lang="de-DE" smtClean="0"/>
               <a:pPr/>
-              <a:t>3</a:t>
+              <a:t>4</a:t>
             </a:fld>
             <a:r>
               <a:rPr lang="de-DE">
@@ -10287,7 +11730,7 @@
         </p:blipFill>
         <p:spPr>
           <a:xfrm>
-            <a:off x="2776102" y="308135"/>
+            <a:off x="2837871" y="283456"/>
             <a:ext cx="6273411" cy="3268223"/>
           </a:xfrm>
           <a:prstGeom prst="rect">
@@ -10339,10 +11782,10 @@
         </p:nvGrpSpPr>
         <p:grpSpPr>
           <a:xfrm>
-            <a:off x="266764" y="1331827"/>
-            <a:ext cx="3386130" cy="1508992"/>
+            <a:off x="266764" y="1331826"/>
+            <a:ext cx="3386130" cy="1725339"/>
             <a:chOff x="190502" y="2971339"/>
-            <a:chExt cx="3255435" cy="1646494"/>
+            <a:chExt cx="3255435" cy="1882555"/>
           </a:xfrm>
         </p:grpSpPr>
         <p:grpSp>
@@ -10388,22 +11831,27 @@
               <a:gradFill flip="none" rotWithShape="1">
                 <a:gsLst>
                   <a:gs pos="0">
-                    <a:srgbClr val="E4003A">
-                      <a:shade val="30000"/>
-                      <a:satMod val="115000"/>
-                    </a:srgbClr>
+                    <a:schemeClr val="accent1">
+                      <a:lumMod val="100000"/>
+                    </a:schemeClr>
                   </a:gs>
-                  <a:gs pos="50000">
-                    <a:srgbClr val="E4003A">
-                      <a:shade val="67500"/>
-                      <a:satMod val="115000"/>
-                    </a:srgbClr>
+                  <a:gs pos="74000">
+                    <a:schemeClr val="accent1">
+                      <a:lumMod val="45000"/>
+                      <a:lumOff val="55000"/>
+                    </a:schemeClr>
+                  </a:gs>
+                  <a:gs pos="83000">
+                    <a:schemeClr val="accent1">
+                      <a:lumMod val="45000"/>
+                      <a:lumOff val="55000"/>
+                    </a:schemeClr>
                   </a:gs>
                   <a:gs pos="100000">
-                    <a:srgbClr val="E4003A">
-                      <a:shade val="100000"/>
-                      <a:satMod val="115000"/>
-                    </a:srgbClr>
+                    <a:schemeClr val="accent1">
+                      <a:lumMod val="30000"/>
+                      <a:lumOff val="70000"/>
+                    </a:schemeClr>
                   </a:gs>
                 </a:gsLst>
                 <a:lin ang="2700000" scaled="1"/>
@@ -10411,7 +11859,7 @@
               </a:gradFill>
               <a:ln>
                 <a:solidFill>
-                  <a:srgbClr val="E4003A"/>
+                  <a:srgbClr val="E9E9E9"/>
                 </a:solidFill>
               </a:ln>
             </p:spPr>
@@ -10710,7 +12158,7 @@
           </p:nvSpPr>
           <p:spPr>
             <a:xfrm>
-              <a:off x="275110" y="3015362"/>
+              <a:off x="251350" y="3015362"/>
               <a:ext cx="1035421" cy="335822"/>
             </a:xfrm>
             <a:prstGeom prst="rect">
@@ -10724,6 +12172,7 @@
             </a:bodyPr>
             <a:lstStyle/>
             <a:p>
+              <a:pPr algn="ctr"/>
               <a:r>
                 <a:rPr lang="de-DE" sz="1400" dirty="0"/>
                 <a:t>Study Start</a:t>
@@ -10745,8 +12194,8 @@
           </p:nvSpPr>
           <p:spPr>
             <a:xfrm>
-              <a:off x="1053822" y="4046937"/>
-              <a:ext cx="1295399" cy="570896"/>
+              <a:off x="932591" y="4047921"/>
+              <a:ext cx="1530541" cy="805973"/>
             </a:xfrm>
             <a:prstGeom prst="rect">
               <a:avLst/>
@@ -10761,18 +12210,32 @@
             <a:p>
               <a:pPr algn="ctr"/>
               <a:r>
+                <a:rPr lang="de-DE" sz="1400" dirty="0"/>
+                <a:t>Enrolment </a:t>
+              </a:r>
+              <a:r>
                 <a:rPr lang="de-DE" sz="1400" dirty="0" err="1"/>
-                <a:t>Enrolment</a:t>
+                <a:t>Finished</a:t>
               </a:r>
               <a:r>
                 <a:rPr lang="de-DE" sz="1400" dirty="0"/>
                 <a:t> </a:t>
               </a:r>
+            </a:p>
+            <a:p>
+              <a:pPr algn="ctr"/>
+              <a:r>
+                <a:rPr lang="de-DE" sz="1400" dirty="0"/>
+                <a:t>(~2000 </a:t>
+              </a:r>
               <a:r>
                 <a:rPr lang="de-DE" sz="1400" dirty="0" err="1"/>
-                <a:t>Finished</a:t>
+                <a:t>patients</a:t>
               </a:r>
-              <a:endParaRPr lang="de-DE" sz="1400" dirty="0"/>
+              <a:r>
+                <a:rPr lang="de-DE" sz="1400" dirty="0"/>
+                <a:t>)</a:t>
+              </a:r>
             </a:p>
           </p:txBody>
         </p:sp>
@@ -10804,6 +12267,7 @@
             </a:bodyPr>
             <a:lstStyle/>
             <a:p>
+              <a:pPr algn="ctr"/>
               <a:r>
                 <a:rPr lang="de-DE" sz="1400" dirty="0"/>
                 <a:t>Study </a:t>
@@ -10870,10 +12334,9 @@
                 <a:buChar char="•"/>
               </a:pPr>
               <a:r>
-                <a:rPr lang="de-DE" sz="1400" dirty="0" err="1"/>
+                <a:rPr lang="de-DE" sz="1400" dirty="0"/>
                 <a:t>Enrolment</a:t>
               </a:r>
-              <a:endParaRPr lang="de-DE" sz="1400" dirty="0"/>
             </a:p>
             <a:p>
               <a:pPr marL="285750" indent="-285750">
@@ -10940,12 +12403,8 @@
                 <a:buChar char="•"/>
               </a:pPr>
               <a:r>
-                <a:rPr lang="de-DE" sz="1400" dirty="0" err="1"/>
-                <a:t>Procedural</a:t>
-              </a:r>
-              <a:r>
                 <a:rPr lang="de-DE" sz="1400" dirty="0"/>
-                <a:t>  Information</a:t>
+                <a:t>Procedural Information</a:t>
               </a:r>
             </a:p>
             <a:p>
@@ -11008,7 +12467,7 @@
                 <a:buChar char="•"/>
               </a:pPr>
               <a:r>
-                <a:rPr lang="de-DE" sz="1400" dirty="0" err="1"/>
+                <a:rPr lang="en-GB" sz="1400" dirty="0"/>
                 <a:t>Concomitant</a:t>
               </a:r>
               <a:r>
@@ -11076,21 +12535,8 @@
               </a:pPr>
               <a:r>
                 <a:rPr lang="de-DE" sz="1400" dirty="0"/>
-                <a:t>Follow </a:t>
+                <a:t>Follow-Up Assessment</a:t>
               </a:r>
-              <a:r>
-                <a:rPr lang="de-DE" sz="1400" dirty="0" err="1"/>
-                <a:t>up</a:t>
-              </a:r>
-              <a:r>
-                <a:rPr lang="de-DE" sz="1400" dirty="0"/>
-                <a:t> </a:t>
-              </a:r>
-              <a:r>
-                <a:rPr lang="de-DE" sz="1400" dirty="0" err="1"/>
-                <a:t>assessments</a:t>
-              </a:r>
-              <a:endParaRPr lang="de-DE" sz="1400" dirty="0"/>
             </a:p>
             <a:p>
               <a:pPr marL="285750" indent="-285750">
@@ -11310,19 +12756,19 @@
                 <a:gradFill flip="none" rotWithShape="1">
                   <a:gsLst>
                     <a:gs pos="0">
-                      <a:srgbClr val="E4003A">
+                      <a:srgbClr val="E9E9E9">
                         <a:shade val="30000"/>
                         <a:satMod val="115000"/>
                       </a:srgbClr>
                     </a:gs>
                     <a:gs pos="50000">
-                      <a:srgbClr val="E4003A">
+                      <a:srgbClr val="E9E9E9">
                         <a:shade val="67500"/>
                         <a:satMod val="115000"/>
                       </a:srgbClr>
                     </a:gs>
                     <a:gs pos="100000">
-                      <a:srgbClr val="E4003A">
+                      <a:srgbClr val="E9E9E9">
                         <a:shade val="100000"/>
                         <a:satMod val="115000"/>
                       </a:srgbClr>
@@ -11333,7 +12779,9 @@
                 </a:gradFill>
                 <a:ln>
                   <a:solidFill>
-                    <a:srgbClr val="E4003A"/>
+                    <a:schemeClr val="bg1">
+                      <a:lumMod val="95000"/>
+                    </a:schemeClr>
                   </a:solidFill>
                 </a:ln>
               </p:spPr>
@@ -11780,6 +13228,436 @@
           </p:sp>
         </p:grpSp>
       </p:grpSp>
+      <p:cxnSp>
+        <p:nvCxnSpPr>
+          <p:cNvPr id="5" name="Gerader Verbinder 4">
+            <a:extLst>
+              <a:ext uri="{FF2B5EF4-FFF2-40B4-BE49-F238E27FC236}">
+                <a16:creationId xmlns:a16="http://schemas.microsoft.com/office/drawing/2014/main" id="{361ADA93-8C75-441F-B4C1-B4EC58EF7C4C}"/>
+              </a:ext>
+            </a:extLst>
+          </p:cNvPr>
+          <p:cNvCxnSpPr>
+            <a:cxnSpLocks/>
+            <a:endCxn id="57" idx="1"/>
+          </p:cNvCxnSpPr>
+          <p:nvPr/>
+        </p:nvCxnSpPr>
+        <p:spPr>
+          <a:xfrm>
+            <a:off x="6550834" y="5642383"/>
+            <a:ext cx="2" cy="397603"/>
+          </a:xfrm>
+          <a:prstGeom prst="line">
+            <a:avLst/>
+          </a:prstGeom>
+          <a:ln w="19050">
+            <a:solidFill>
+              <a:schemeClr val="tx1"/>
+            </a:solidFill>
+          </a:ln>
+        </p:spPr>
+        <p:style>
+          <a:lnRef idx="1">
+            <a:schemeClr val="dk1"/>
+          </a:lnRef>
+          <a:fillRef idx="0">
+            <a:schemeClr val="dk1"/>
+          </a:fillRef>
+          <a:effectRef idx="0">
+            <a:schemeClr val="dk1"/>
+          </a:effectRef>
+          <a:fontRef idx="minor">
+            <a:schemeClr val="tx1"/>
+          </a:fontRef>
+        </p:style>
+      </p:cxnSp>
+      <p:sp>
+        <p:nvSpPr>
+          <p:cNvPr id="2" name="Stern: 5 Zacken 1">
+            <a:extLst>
+              <a:ext uri="{FF2B5EF4-FFF2-40B4-BE49-F238E27FC236}">
+                <a16:creationId xmlns:a16="http://schemas.microsoft.com/office/drawing/2014/main" id="{E50A998E-58B8-459D-8FE4-5208EA4CED46}"/>
+              </a:ext>
+            </a:extLst>
+          </p:cNvPr>
+          <p:cNvSpPr/>
+          <p:nvPr/>
+        </p:nvSpPr>
+        <p:spPr>
+          <a:xfrm>
+            <a:off x="1166331" y="5140288"/>
+            <a:ext cx="144000" cy="144000"/>
+          </a:xfrm>
+          <a:prstGeom prst="star5">
+            <a:avLst/>
+          </a:prstGeom>
+          <a:solidFill>
+            <a:srgbClr val="E4003A"/>
+          </a:solidFill>
+          <a:ln>
+            <a:noFill/>
+          </a:ln>
+        </p:spPr>
+        <p:style>
+          <a:lnRef idx="2">
+            <a:schemeClr val="accent1">
+              <a:shade val="50000"/>
+            </a:schemeClr>
+          </a:lnRef>
+          <a:fillRef idx="1">
+            <a:schemeClr val="accent1"/>
+          </a:fillRef>
+          <a:effectRef idx="0">
+            <a:schemeClr val="accent1"/>
+          </a:effectRef>
+          <a:fontRef idx="minor">
+            <a:schemeClr val="lt1"/>
+          </a:fontRef>
+        </p:style>
+        <p:txBody>
+          <a:bodyPr rtlCol="0" anchor="ctr"/>
+          <a:lstStyle/>
+          <a:p>
+            <a:pPr algn="ctr"/>
+            <a:endParaRPr lang="en-GB"/>
+          </a:p>
+        </p:txBody>
+      </p:sp>
+      <p:sp>
+        <p:nvSpPr>
+          <p:cNvPr id="67" name="Stern: 5 Zacken 66">
+            <a:extLst>
+              <a:ext uri="{FF2B5EF4-FFF2-40B4-BE49-F238E27FC236}">
+                <a16:creationId xmlns:a16="http://schemas.microsoft.com/office/drawing/2014/main" id="{59BA3747-76CF-4DBB-8AD2-45EA55BEF4E8}"/>
+              </a:ext>
+            </a:extLst>
+          </p:cNvPr>
+          <p:cNvSpPr/>
+          <p:nvPr/>
+        </p:nvSpPr>
+        <p:spPr>
+          <a:xfrm>
+            <a:off x="2566768" y="5169118"/>
+            <a:ext cx="144000" cy="144000"/>
+          </a:xfrm>
+          <a:prstGeom prst="star5">
+            <a:avLst/>
+          </a:prstGeom>
+          <a:solidFill>
+            <a:srgbClr val="E4003A"/>
+          </a:solidFill>
+          <a:ln>
+            <a:noFill/>
+          </a:ln>
+        </p:spPr>
+        <p:style>
+          <a:lnRef idx="2">
+            <a:schemeClr val="accent1">
+              <a:shade val="50000"/>
+            </a:schemeClr>
+          </a:lnRef>
+          <a:fillRef idx="1">
+            <a:schemeClr val="accent1"/>
+          </a:fillRef>
+          <a:effectRef idx="0">
+            <a:schemeClr val="accent1"/>
+          </a:effectRef>
+          <a:fontRef idx="minor">
+            <a:schemeClr val="lt1"/>
+          </a:fontRef>
+        </p:style>
+        <p:txBody>
+          <a:bodyPr rtlCol="0" anchor="ctr"/>
+          <a:lstStyle/>
+          <a:p>
+            <a:pPr algn="ctr"/>
+            <a:endParaRPr lang="en-GB"/>
+          </a:p>
+        </p:txBody>
+      </p:sp>
+      <p:sp>
+        <p:nvSpPr>
+          <p:cNvPr id="68" name="Stern: 5 Zacken 67">
+            <a:extLst>
+              <a:ext uri="{FF2B5EF4-FFF2-40B4-BE49-F238E27FC236}">
+                <a16:creationId xmlns:a16="http://schemas.microsoft.com/office/drawing/2014/main" id="{0115BF69-EE85-4BC5-8D2B-3C0E365507B0}"/>
+              </a:ext>
+            </a:extLst>
+          </p:cNvPr>
+          <p:cNvSpPr/>
+          <p:nvPr/>
+        </p:nvSpPr>
+        <p:spPr>
+          <a:xfrm>
+            <a:off x="196383" y="6329870"/>
+            <a:ext cx="144000" cy="144000"/>
+          </a:xfrm>
+          <a:prstGeom prst="star5">
+            <a:avLst/>
+          </a:prstGeom>
+          <a:solidFill>
+            <a:srgbClr val="E4003A"/>
+          </a:solidFill>
+          <a:ln>
+            <a:noFill/>
+          </a:ln>
+        </p:spPr>
+        <p:style>
+          <a:lnRef idx="2">
+            <a:schemeClr val="accent1">
+              <a:shade val="50000"/>
+            </a:schemeClr>
+          </a:lnRef>
+          <a:fillRef idx="1">
+            <a:schemeClr val="accent1"/>
+          </a:fillRef>
+          <a:effectRef idx="0">
+            <a:schemeClr val="accent1"/>
+          </a:effectRef>
+          <a:fontRef idx="minor">
+            <a:schemeClr val="lt1"/>
+          </a:fontRef>
+        </p:style>
+        <p:txBody>
+          <a:bodyPr rtlCol="0" anchor="ctr"/>
+          <a:lstStyle/>
+          <a:p>
+            <a:pPr algn="ctr"/>
+            <a:endParaRPr lang="en-GB"/>
+          </a:p>
+        </p:txBody>
+      </p:sp>
+      <p:sp>
+        <p:nvSpPr>
+          <p:cNvPr id="6" name="Textfeld 5">
+            <a:extLst>
+              <a:ext uri="{FF2B5EF4-FFF2-40B4-BE49-F238E27FC236}">
+                <a16:creationId xmlns:a16="http://schemas.microsoft.com/office/drawing/2014/main" id="{227F42F6-06A3-4E39-A9E0-0407E643BDA3}"/>
+              </a:ext>
+            </a:extLst>
+          </p:cNvPr>
+          <p:cNvSpPr txBox="1"/>
+          <p:nvPr/>
+        </p:nvSpPr>
+        <p:spPr>
+          <a:xfrm>
+            <a:off x="266764" y="6325427"/>
+            <a:ext cx="1275887" cy="307777"/>
+          </a:xfrm>
+          <a:prstGeom prst="rect">
+            <a:avLst/>
+          </a:prstGeom>
+          <a:noFill/>
+        </p:spPr>
+        <p:txBody>
+          <a:bodyPr wrap="square" rtlCol="0">
+            <a:spAutoFit/>
+          </a:bodyPr>
+          <a:lstStyle/>
+          <a:p>
+            <a:r>
+              <a:rPr lang="de-DE" sz="1400" dirty="0" err="1">
+                <a:solidFill>
+                  <a:schemeClr val="bg1">
+                    <a:lumMod val="65000"/>
+                  </a:schemeClr>
+                </a:solidFill>
+              </a:rPr>
+              <a:t>input</a:t>
+            </a:r>
+            <a:r>
+              <a:rPr lang="de-DE" sz="1400" dirty="0">
+                <a:solidFill>
+                  <a:schemeClr val="bg1">
+                    <a:lumMod val="65000"/>
+                  </a:schemeClr>
+                </a:solidFill>
+              </a:rPr>
+              <a:t> </a:t>
+            </a:r>
+            <a:r>
+              <a:rPr lang="de-DE" sz="1400" dirty="0" err="1">
+                <a:solidFill>
+                  <a:schemeClr val="bg1">
+                    <a:lumMod val="65000"/>
+                  </a:schemeClr>
+                </a:solidFill>
+              </a:rPr>
+              <a:t>features</a:t>
+            </a:r>
+            <a:endParaRPr lang="en-GB" sz="1400" dirty="0">
+              <a:solidFill>
+                <a:schemeClr val="bg1">
+                  <a:lumMod val="65000"/>
+                </a:schemeClr>
+              </a:solidFill>
+            </a:endParaRPr>
+          </a:p>
+        </p:txBody>
+      </p:sp>
+      <p:sp>
+        <p:nvSpPr>
+          <p:cNvPr id="69" name="Stern: 5 Zacken 68">
+            <a:extLst>
+              <a:ext uri="{FF2B5EF4-FFF2-40B4-BE49-F238E27FC236}">
+                <a16:creationId xmlns:a16="http://schemas.microsoft.com/office/drawing/2014/main" id="{4A1A77AE-3F73-400B-B5C3-332280709641}"/>
+              </a:ext>
+            </a:extLst>
+          </p:cNvPr>
+          <p:cNvSpPr/>
+          <p:nvPr/>
+        </p:nvSpPr>
+        <p:spPr>
+          <a:xfrm>
+            <a:off x="7537195" y="5995566"/>
+            <a:ext cx="144000" cy="144000"/>
+          </a:xfrm>
+          <a:prstGeom prst="star5">
+            <a:avLst/>
+          </a:prstGeom>
+          <a:solidFill>
+            <a:srgbClr val="00B0F0"/>
+          </a:solidFill>
+          <a:ln>
+            <a:noFill/>
+          </a:ln>
+        </p:spPr>
+        <p:style>
+          <a:lnRef idx="2">
+            <a:schemeClr val="accent1">
+              <a:shade val="50000"/>
+            </a:schemeClr>
+          </a:lnRef>
+          <a:fillRef idx="1">
+            <a:schemeClr val="accent1"/>
+          </a:fillRef>
+          <a:effectRef idx="0">
+            <a:schemeClr val="accent1"/>
+          </a:effectRef>
+          <a:fontRef idx="minor">
+            <a:schemeClr val="lt1"/>
+          </a:fontRef>
+        </p:style>
+        <p:txBody>
+          <a:bodyPr rtlCol="0" anchor="ctr"/>
+          <a:lstStyle/>
+          <a:p>
+            <a:pPr algn="ctr"/>
+            <a:endParaRPr lang="en-GB"/>
+          </a:p>
+        </p:txBody>
+      </p:sp>
+      <p:sp>
+        <p:nvSpPr>
+          <p:cNvPr id="70" name="Stern: 5 Zacken 69">
+            <a:extLst>
+              <a:ext uri="{FF2B5EF4-FFF2-40B4-BE49-F238E27FC236}">
+                <a16:creationId xmlns:a16="http://schemas.microsoft.com/office/drawing/2014/main" id="{0D56F434-B327-4F3D-AEFD-F73348961B0C}"/>
+              </a:ext>
+            </a:extLst>
+          </p:cNvPr>
+          <p:cNvSpPr/>
+          <p:nvPr/>
+        </p:nvSpPr>
+        <p:spPr>
+          <a:xfrm>
+            <a:off x="1674630" y="6345035"/>
+            <a:ext cx="144000" cy="144000"/>
+          </a:xfrm>
+          <a:prstGeom prst="star5">
+            <a:avLst/>
+          </a:prstGeom>
+          <a:solidFill>
+            <a:srgbClr val="00B0F0"/>
+          </a:solidFill>
+          <a:ln>
+            <a:noFill/>
+          </a:ln>
+        </p:spPr>
+        <p:style>
+          <a:lnRef idx="2">
+            <a:schemeClr val="accent1">
+              <a:shade val="50000"/>
+            </a:schemeClr>
+          </a:lnRef>
+          <a:fillRef idx="1">
+            <a:schemeClr val="accent1"/>
+          </a:fillRef>
+          <a:effectRef idx="0">
+            <a:schemeClr val="accent1"/>
+          </a:effectRef>
+          <a:fontRef idx="minor">
+            <a:schemeClr val="lt1"/>
+          </a:fontRef>
+        </p:style>
+        <p:txBody>
+          <a:bodyPr rtlCol="0" anchor="ctr"/>
+          <a:lstStyle/>
+          <a:p>
+            <a:pPr algn="ctr"/>
+            <a:endParaRPr lang="en-GB"/>
+          </a:p>
+        </p:txBody>
+      </p:sp>
+      <p:sp>
+        <p:nvSpPr>
+          <p:cNvPr id="71" name="Textfeld 70">
+            <a:extLst>
+              <a:ext uri="{FF2B5EF4-FFF2-40B4-BE49-F238E27FC236}">
+                <a16:creationId xmlns:a16="http://schemas.microsoft.com/office/drawing/2014/main" id="{70CC1A0C-3E99-4EA4-83AA-4B510433A7DE}"/>
+              </a:ext>
+            </a:extLst>
+          </p:cNvPr>
+          <p:cNvSpPr txBox="1"/>
+          <p:nvPr/>
+        </p:nvSpPr>
+        <p:spPr>
+          <a:xfrm>
+            <a:off x="1733208" y="6319981"/>
+            <a:ext cx="1333056" cy="307777"/>
+          </a:xfrm>
+          <a:prstGeom prst="rect">
+            <a:avLst/>
+          </a:prstGeom>
+          <a:noFill/>
+        </p:spPr>
+        <p:txBody>
+          <a:bodyPr wrap="square" rtlCol="0">
+            <a:spAutoFit/>
+          </a:bodyPr>
+          <a:lstStyle/>
+          <a:p>
+            <a:r>
+              <a:rPr lang="de-DE" sz="1400" dirty="0" err="1">
+                <a:solidFill>
+                  <a:schemeClr val="bg1">
+                    <a:lumMod val="65000"/>
+                  </a:schemeClr>
+                </a:solidFill>
+              </a:rPr>
+              <a:t>Derive</a:t>
+            </a:r>
+            <a:r>
+              <a:rPr lang="de-DE" sz="1400" dirty="0">
+                <a:solidFill>
+                  <a:schemeClr val="bg1">
+                    <a:lumMod val="65000"/>
+                  </a:schemeClr>
+                </a:solidFill>
+              </a:rPr>
+              <a:t> Label</a:t>
+            </a:r>
+            <a:endParaRPr lang="en-GB" sz="1400" dirty="0">
+              <a:solidFill>
+                <a:schemeClr val="bg1">
+                  <a:lumMod val="65000"/>
+                </a:schemeClr>
+              </a:solidFill>
+            </a:endParaRPr>
+          </a:p>
+        </p:txBody>
+      </p:sp>
     </p:spTree>
     <p:extLst>
       <p:ext uri="{BB962C8B-B14F-4D97-AF65-F5344CB8AC3E}">
@@ -11790,11 +13668,203 @@
   <p:clrMapOvr>
     <a:masterClrMapping/>
   </p:clrMapOvr>
+  <p:timing>
+    <p:tnLst>
+      <p:par>
+        <p:cTn id="1" dur="indefinite" restart="never" nodeType="tmRoot">
+          <p:childTnLst>
+            <p:seq concurrent="1" nextAc="seek">
+              <p:cTn id="2" dur="indefinite" nodeType="mainSeq">
+                <p:childTnLst>
+                  <p:par>
+                    <p:cTn id="3" fill="hold">
+                      <p:stCondLst>
+                        <p:cond delay="indefinite"/>
+                      </p:stCondLst>
+                      <p:childTnLst>
+                        <p:par>
+                          <p:cTn id="4" fill="hold">
+                            <p:stCondLst>
+                              <p:cond delay="0"/>
+                            </p:stCondLst>
+                            <p:childTnLst>
+                              <p:par>
+                                <p:cTn id="5" presetID="1" presetClass="entr" presetSubtype="0" fill="hold" nodeType="clickEffect">
+                                  <p:stCondLst>
+                                    <p:cond delay="0"/>
+                                  </p:stCondLst>
+                                  <p:childTnLst>
+                                    <p:set>
+                                      <p:cBhvr>
+                                        <p:cTn id="6" dur="1" fill="hold">
+                                          <p:stCondLst>
+                                            <p:cond delay="0"/>
+                                          </p:stCondLst>
+                                        </p:cTn>
+                                        <p:tgtEl>
+                                          <p:spTgt spid="9"/>
+                                        </p:tgtEl>
+                                        <p:attrNameLst>
+                                          <p:attrName>style.visibility</p:attrName>
+                                        </p:attrNameLst>
+                                      </p:cBhvr>
+                                      <p:to>
+                                        <p:strVal val="visible"/>
+                                      </p:to>
+                                    </p:set>
+                                  </p:childTnLst>
+                                </p:cTn>
+                              </p:par>
+                            </p:childTnLst>
+                          </p:cTn>
+                        </p:par>
+                      </p:childTnLst>
+                    </p:cTn>
+                  </p:par>
+                  <p:par>
+                    <p:cTn id="7" fill="hold">
+                      <p:stCondLst>
+                        <p:cond delay="indefinite"/>
+                      </p:stCondLst>
+                      <p:childTnLst>
+                        <p:par>
+                          <p:cTn id="8" fill="hold">
+                            <p:stCondLst>
+                              <p:cond delay="0"/>
+                            </p:stCondLst>
+                            <p:childTnLst>
+                              <p:par>
+                                <p:cTn id="9" presetID="1" presetClass="entr" presetSubtype="0" fill="hold" nodeType="clickEffect">
+                                  <p:stCondLst>
+                                    <p:cond delay="0"/>
+                                  </p:stCondLst>
+                                  <p:childTnLst>
+                                    <p:set>
+                                      <p:cBhvr>
+                                        <p:cTn id="10" dur="1" fill="hold">
+                                          <p:stCondLst>
+                                            <p:cond delay="0"/>
+                                          </p:stCondLst>
+                                        </p:cTn>
+                                        <p:tgtEl>
+                                          <p:spTgt spid="8"/>
+                                        </p:tgtEl>
+                                        <p:attrNameLst>
+                                          <p:attrName>style.visibility</p:attrName>
+                                        </p:attrNameLst>
+                                      </p:cBhvr>
+                                      <p:to>
+                                        <p:strVal val="visible"/>
+                                      </p:to>
+                                    </p:set>
+                                  </p:childTnLst>
+                                </p:cTn>
+                              </p:par>
+                              <p:par>
+                                <p:cTn id="11" presetID="1" presetClass="entr" presetSubtype="0" fill="hold" nodeType="withEffect">
+                                  <p:stCondLst>
+                                    <p:cond delay="0"/>
+                                  </p:stCondLst>
+                                  <p:childTnLst>
+                                    <p:set>
+                                      <p:cBhvr>
+                                        <p:cTn id="12" dur="1" fill="hold">
+                                          <p:stCondLst>
+                                            <p:cond delay="0"/>
+                                          </p:stCondLst>
+                                        </p:cTn>
+                                        <p:tgtEl>
+                                          <p:spTgt spid="7"/>
+                                        </p:tgtEl>
+                                        <p:attrNameLst>
+                                          <p:attrName>style.visibility</p:attrName>
+                                        </p:attrNameLst>
+                                      </p:cBhvr>
+                                      <p:to>
+                                        <p:strVal val="visible"/>
+                                      </p:to>
+                                    </p:set>
+                                  </p:childTnLst>
+                                </p:cTn>
+                              </p:par>
+                            </p:childTnLst>
+                          </p:cTn>
+                        </p:par>
+                      </p:childTnLst>
+                    </p:cTn>
+                  </p:par>
+                  <p:par>
+                    <p:cTn id="13" fill="hold">
+                      <p:stCondLst>
+                        <p:cond delay="indefinite"/>
+                      </p:stCondLst>
+                      <p:childTnLst>
+                        <p:par>
+                          <p:cTn id="14" fill="hold">
+                            <p:stCondLst>
+                              <p:cond delay="0"/>
+                            </p:stCondLst>
+                            <p:childTnLst>
+                              <p:par>
+                                <p:cTn id="15" presetID="1" presetClass="entr" presetSubtype="0" fill="hold" nodeType="clickEffect">
+                                  <p:stCondLst>
+                                    <p:cond delay="0"/>
+                                  </p:stCondLst>
+                                  <p:childTnLst>
+                                    <p:set>
+                                      <p:cBhvr>
+                                        <p:cTn id="16" dur="1" fill="hold">
+                                          <p:stCondLst>
+                                            <p:cond delay="0"/>
+                                          </p:stCondLst>
+                                        </p:cTn>
+                                        <p:tgtEl>
+                                          <p:spTgt spid="44"/>
+                                        </p:tgtEl>
+                                        <p:attrNameLst>
+                                          <p:attrName>style.visibility</p:attrName>
+                                        </p:attrNameLst>
+                                      </p:cBhvr>
+                                      <p:to>
+                                        <p:strVal val="visible"/>
+                                      </p:to>
+                                    </p:set>
+                                  </p:childTnLst>
+                                </p:cTn>
+                              </p:par>
+                            </p:childTnLst>
+                          </p:cTn>
+                        </p:par>
+                      </p:childTnLst>
+                    </p:cTn>
+                  </p:par>
+                </p:childTnLst>
+              </p:cTn>
+              <p:prevCondLst>
+                <p:cond evt="onPrev" delay="0">
+                  <p:tgtEl>
+                    <p:sldTgt/>
+                  </p:tgtEl>
+                </p:cond>
+              </p:prevCondLst>
+              <p:nextCondLst>
+                <p:cond evt="onNext" delay="0">
+                  <p:tgtEl>
+                    <p:sldTgt/>
+                  </p:tgtEl>
+                </p:cond>
+              </p:nextCondLst>
+            </p:seq>
+          </p:childTnLst>
+        </p:cTn>
+      </p:par>
+    </p:tnLst>
+  </p:timing>
 </p:sld>
 </file>
 
-<file path=ppt/slides/slide4.xml><?xml version="1.0" encoding="utf-8"?>
-<p:sld xmlns:a="http://schemas.openxmlformats.org/drawingml/2006/main" xmlns:r="http://schemas.openxmlformats.org/officeDocument/2006/relationships" xmlns:p="http://schemas.openxmlformats.org/presentationml/2006/main">
+<file path=ppt/slides/slide5.xml><?xml version="1.0" encoding="utf-8"?>
+<p:sld xmlns:a="http://schemas.openxmlformats.org/drawingml/2006/main" xmlns:r="http://schemas.openxmlformats.org/officeDocument/2006/relationships" xmlns:p="http://schemas.openxmlformats.org/presentationml/2006/main" show="0">
   <p:cSld>
     <p:spTree>
       <p:nvGrpSpPr>
@@ -11832,7 +13902,7 @@
           <a:lstStyle/>
           <a:p>
             <a:r>
-              <a:rPr lang="de-DE" dirty="0"/>
+              <a:rPr lang="en-GB" noProof="0" dirty="0"/>
               <a:t>Dataset</a:t>
             </a:r>
           </a:p>
@@ -11862,7 +13932,7 @@
             <a:fld id="{1744B4DD-8F10-491C-BFC2-D4DC64F16D79}" type="slidenum">
               <a:rPr lang="de-DE" smtClean="0"/>
               <a:pPr/>
-              <a:t>4</a:t>
+              <a:t>5</a:t>
             </a:fld>
             <a:r>
               <a:rPr lang="de-DE">
@@ -12097,12 +14167,8 @@
           <a:lstStyle/>
           <a:p>
             <a:r>
-              <a:rPr lang="de-DE" dirty="0" err="1"/>
-              <a:t>Procedural</a:t>
-            </a:r>
-            <a:r>
               <a:rPr lang="de-DE" dirty="0"/>
-              <a:t> Information</a:t>
+              <a:t>Procedural Information</a:t>
             </a:r>
           </a:p>
           <a:p>
@@ -12717,7 +14783,7 @@
 </p:sld>
 </file>
 
-<file path=ppt/slides/slide5.xml><?xml version="1.0" encoding="utf-8"?>
+<file path=ppt/slides/slide6.xml><?xml version="1.0" encoding="utf-8"?>
 <p:sld xmlns:a="http://schemas.openxmlformats.org/drawingml/2006/main" xmlns:r="http://schemas.openxmlformats.org/officeDocument/2006/relationships" xmlns:p="http://schemas.openxmlformats.org/presentationml/2006/main">
   <p:cSld>
     <p:spTree>
@@ -12756,7 +14822,7 @@
           <a:lstStyle/>
           <a:p>
             <a:r>
-              <a:rPr lang="de-DE" dirty="0"/>
+              <a:rPr lang="en-GB" noProof="0" dirty="0"/>
               <a:t>Study Question + Clinical Impact</a:t>
             </a:r>
           </a:p>
@@ -12786,7 +14852,7 @@
             <a:fld id="{1744B4DD-8F10-491C-BFC2-D4DC64F16D79}" type="slidenum">
               <a:rPr lang="de-DE" smtClean="0"/>
               <a:pPr/>
-              <a:t>5</a:t>
+              <a:t>6</a:t>
             </a:fld>
             <a:r>
               <a:rPr lang="de-DE">
@@ -12799,34 +14865,6 @@
           </a:p>
         </p:txBody>
       </p:sp>
-      <p:graphicFrame>
-        <p:nvGraphicFramePr>
-          <p:cNvPr id="5" name="Diagramm 4">
-            <a:extLst>
-              <a:ext uri="{FF2B5EF4-FFF2-40B4-BE49-F238E27FC236}">
-                <a16:creationId xmlns:a16="http://schemas.microsoft.com/office/drawing/2014/main" id="{7650171D-A05F-4927-AC77-8BC8F340950E}"/>
-              </a:ext>
-            </a:extLst>
-          </p:cNvPr>
-          <p:cNvGraphicFramePr/>
-          <p:nvPr>
-            <p:extLst>
-              <p:ext uri="{D42A27DB-BD31-4B8C-83A1-F6EECF244321}">
-                <p14:modId xmlns:p14="http://schemas.microsoft.com/office/powerpoint/2010/main" val="4230981865"/>
-              </p:ext>
-            </p:extLst>
-          </p:nvPr>
-        </p:nvGraphicFramePr>
-        <p:xfrm>
-          <a:off x="-1140450" y="2678131"/>
-          <a:ext cx="7335609" cy="2273969"/>
-        </p:xfrm>
-        <a:graphic>
-          <a:graphicData uri="http://schemas.openxmlformats.org/drawingml/2006/diagram">
-            <dgm:relIds xmlns:dgm="http://schemas.openxmlformats.org/drawingml/2006/diagram" xmlns:r="http://schemas.openxmlformats.org/officeDocument/2006/relationships" r:dm="rId3" r:lo="rId4" r:qs="rId5" r:cs="rId6"/>
-          </a:graphicData>
-        </a:graphic>
-      </p:graphicFrame>
       <p:sp>
         <p:nvSpPr>
           <p:cNvPr id="6" name="Rechteck 5">
@@ -12841,7 +14879,7 @@
         </p:nvSpPr>
         <p:spPr>
           <a:xfrm>
-            <a:off x="463874" y="1602440"/>
+            <a:off x="340306" y="1272764"/>
             <a:ext cx="8075028" cy="369332"/>
           </a:xfrm>
           <a:prstGeom prst="rect">
@@ -12856,7 +14894,7 @@
           <a:p>
             <a:r>
               <a:rPr lang="en-US" b="1" dirty="0"/>
-              <a:t>Early markers in the trajectory of the patient that leads to TLF?</a:t>
+              <a:t>How to find patients with high risk for TLF?</a:t>
             </a:r>
             <a:endParaRPr lang="de-DE" b="1" dirty="0"/>
           </a:p>
@@ -12864,10 +14902,10 @@
       </p:sp>
       <p:grpSp>
         <p:nvGrpSpPr>
-          <p:cNvPr id="7" name="Gruppieren 6">
+          <p:cNvPr id="13" name="Gruppieren 12">
             <a:extLst>
               <a:ext uri="{FF2B5EF4-FFF2-40B4-BE49-F238E27FC236}">
-                <a16:creationId xmlns:a16="http://schemas.microsoft.com/office/drawing/2014/main" id="{1C299681-D42C-4BC2-822A-1CA8366ECF29}"/>
+                <a16:creationId xmlns:a16="http://schemas.microsoft.com/office/drawing/2014/main" id="{9D986344-AFD5-4B81-8211-ABB34B3E0AF8}"/>
               </a:ext>
             </a:extLst>
           </p:cNvPr>
@@ -12876,482 +14914,603 @@
         </p:nvGrpSpPr>
         <p:grpSpPr>
           <a:xfrm>
-            <a:off x="4827103" y="2636818"/>
-            <a:ext cx="4103547" cy="1082578"/>
-            <a:chOff x="3227868" y="277"/>
-            <a:chExt cx="4841802" cy="1082578"/>
+            <a:off x="-1140450" y="1939467"/>
+            <a:ext cx="10071100" cy="2315282"/>
+            <a:chOff x="-1140450" y="2636818"/>
+            <a:chExt cx="10071100" cy="2315282"/>
           </a:xfrm>
-          <a:solidFill>
-            <a:schemeClr val="accent1">
-              <a:lumMod val="20000"/>
-              <a:lumOff val="80000"/>
-            </a:schemeClr>
-          </a:solidFill>
         </p:grpSpPr>
-        <p:sp>
-          <p:nvSpPr>
-            <p:cNvPr id="11" name="Pfeil: nach rechts 10">
+        <p:grpSp>
+          <p:nvGrpSpPr>
+            <p:cNvPr id="4" name="Gruppieren 3">
               <a:extLst>
                 <a:ext uri="{FF2B5EF4-FFF2-40B4-BE49-F238E27FC236}">
-                  <a16:creationId xmlns:a16="http://schemas.microsoft.com/office/drawing/2014/main" id="{B05F6139-6D82-4EE3-89E8-80362A130E50}"/>
+                  <a16:creationId xmlns:a16="http://schemas.microsoft.com/office/drawing/2014/main" id="{FD6DDA22-39EE-44D0-A6E7-B011EEFB64D0}"/>
                 </a:ext>
               </a:extLst>
             </p:cNvPr>
-            <p:cNvSpPr/>
+            <p:cNvGrpSpPr/>
             <p:nvPr/>
-          </p:nvSpPr>
-          <p:spPr>
+          </p:nvGrpSpPr>
+          <p:grpSpPr>
             <a:xfrm>
-              <a:off x="3227868" y="277"/>
-              <a:ext cx="4841802" cy="1082578"/>
+              <a:off x="-1140450" y="2636818"/>
+              <a:ext cx="10071100" cy="2315282"/>
+              <a:chOff x="-1140450" y="2636818"/>
+              <a:chExt cx="10071100" cy="2315282"/>
             </a:xfrm>
-            <a:prstGeom prst="rightArrow">
-              <a:avLst>
-                <a:gd name="adj1" fmla="val 75000"/>
-                <a:gd name="adj2" fmla="val 50000"/>
-              </a:avLst>
-            </a:prstGeom>
-            <a:grpFill/>
-          </p:spPr>
-          <p:style>
-            <a:lnRef idx="2">
-              <a:schemeClr val="accent1">
-                <a:alpha val="90000"/>
-                <a:tint val="40000"/>
-                <a:hueOff val="0"/>
-                <a:satOff val="0"/>
-                <a:lumOff val="0"/>
-                <a:alphaOff val="0"/>
-              </a:schemeClr>
-            </a:lnRef>
-            <a:fillRef idx="1">
-              <a:schemeClr val="accent1">
-                <a:alpha val="90000"/>
-                <a:tint val="40000"/>
-                <a:hueOff val="0"/>
-                <a:satOff val="0"/>
-                <a:lumOff val="0"/>
-                <a:alphaOff val="0"/>
-              </a:schemeClr>
-            </a:fillRef>
-            <a:effectRef idx="0">
-              <a:schemeClr val="accent1">
-                <a:alpha val="90000"/>
-                <a:tint val="40000"/>
-                <a:hueOff val="0"/>
-                <a:satOff val="0"/>
-                <a:lumOff val="0"/>
-                <a:alphaOff val="0"/>
-              </a:schemeClr>
-            </a:effectRef>
-            <a:fontRef idx="minor">
-              <a:schemeClr val="dk1">
-                <a:hueOff val="0"/>
-                <a:satOff val="0"/>
-                <a:lumOff val="0"/>
-                <a:alphaOff val="0"/>
-              </a:schemeClr>
-            </a:fontRef>
-          </p:style>
-        </p:sp>
-        <p:sp>
-          <p:nvSpPr>
-            <p:cNvPr id="12" name="Pfeil: nach rechts 4">
+          </p:grpSpPr>
+          <p:graphicFrame>
+            <p:nvGraphicFramePr>
+              <p:cNvPr id="5" name="Diagramm 4">
+                <a:extLst>
+                  <a:ext uri="{FF2B5EF4-FFF2-40B4-BE49-F238E27FC236}">
+                    <a16:creationId xmlns:a16="http://schemas.microsoft.com/office/drawing/2014/main" id="{7650171D-A05F-4927-AC77-8BC8F340950E}"/>
+                  </a:ext>
+                </a:extLst>
+              </p:cNvPr>
+              <p:cNvGraphicFramePr/>
+              <p:nvPr>
+                <p:extLst>
+                  <p:ext uri="{D42A27DB-BD31-4B8C-83A1-F6EECF244321}">
+                    <p14:modId xmlns:p14="http://schemas.microsoft.com/office/powerpoint/2010/main" val="231297750"/>
+                  </p:ext>
+                </p:extLst>
+              </p:nvPr>
+            </p:nvGraphicFramePr>
+            <p:xfrm>
+              <a:off x="-1140450" y="2678131"/>
+              <a:ext cx="7335609" cy="2273969"/>
+            </p:xfrm>
+            <a:graphic>
+              <a:graphicData uri="http://schemas.openxmlformats.org/drawingml/2006/diagram">
+                <dgm:relIds xmlns:dgm="http://schemas.openxmlformats.org/drawingml/2006/diagram" xmlns:r="http://schemas.openxmlformats.org/officeDocument/2006/relationships" r:dm="rId3" r:lo="rId4" r:qs="rId5" r:cs="rId6"/>
+              </a:graphicData>
+            </a:graphic>
+          </p:graphicFrame>
+          <p:grpSp>
+            <p:nvGrpSpPr>
+              <p:cNvPr id="7" name="Gruppieren 6">
+                <a:extLst>
+                  <a:ext uri="{FF2B5EF4-FFF2-40B4-BE49-F238E27FC236}">
+                    <a16:creationId xmlns:a16="http://schemas.microsoft.com/office/drawing/2014/main" id="{1C299681-D42C-4BC2-822A-1CA8366ECF29}"/>
+                  </a:ext>
+                </a:extLst>
+              </p:cNvPr>
+              <p:cNvGrpSpPr/>
+              <p:nvPr/>
+            </p:nvGrpSpPr>
+            <p:grpSpPr>
+              <a:xfrm>
+                <a:off x="4827103" y="2636818"/>
+                <a:ext cx="4103547" cy="1082578"/>
+                <a:chOff x="3227868" y="277"/>
+                <a:chExt cx="4841802" cy="1082578"/>
+              </a:xfrm>
+              <a:solidFill>
+                <a:schemeClr val="accent1">
+                  <a:lumMod val="20000"/>
+                  <a:lumOff val="80000"/>
+                </a:schemeClr>
+              </a:solidFill>
+            </p:grpSpPr>
+            <p:sp>
+              <p:nvSpPr>
+                <p:cNvPr id="11" name="Pfeil: nach rechts 10">
+                  <a:extLst>
+                    <a:ext uri="{FF2B5EF4-FFF2-40B4-BE49-F238E27FC236}">
+                      <a16:creationId xmlns:a16="http://schemas.microsoft.com/office/drawing/2014/main" id="{B05F6139-6D82-4EE3-89E8-80362A130E50}"/>
+                    </a:ext>
+                  </a:extLst>
+                </p:cNvPr>
+                <p:cNvSpPr/>
+                <p:nvPr/>
+              </p:nvSpPr>
+              <p:spPr>
+                <a:xfrm>
+                  <a:off x="3227868" y="277"/>
+                  <a:ext cx="4841802" cy="1082578"/>
+                </a:xfrm>
+                <a:prstGeom prst="rightArrow">
+                  <a:avLst>
+                    <a:gd name="adj1" fmla="val 75000"/>
+                    <a:gd name="adj2" fmla="val 50000"/>
+                  </a:avLst>
+                </a:prstGeom>
+                <a:grpFill/>
+              </p:spPr>
+              <p:style>
+                <a:lnRef idx="2">
+                  <a:schemeClr val="accent1">
+                    <a:alpha val="90000"/>
+                    <a:tint val="40000"/>
+                    <a:hueOff val="0"/>
+                    <a:satOff val="0"/>
+                    <a:lumOff val="0"/>
+                    <a:alphaOff val="0"/>
+                  </a:schemeClr>
+                </a:lnRef>
+                <a:fillRef idx="1">
+                  <a:schemeClr val="accent1">
+                    <a:alpha val="90000"/>
+                    <a:tint val="40000"/>
+                    <a:hueOff val="0"/>
+                    <a:satOff val="0"/>
+                    <a:lumOff val="0"/>
+                    <a:alphaOff val="0"/>
+                  </a:schemeClr>
+                </a:fillRef>
+                <a:effectRef idx="0">
+                  <a:schemeClr val="accent1">
+                    <a:alpha val="90000"/>
+                    <a:tint val="40000"/>
+                    <a:hueOff val="0"/>
+                    <a:satOff val="0"/>
+                    <a:lumOff val="0"/>
+                    <a:alphaOff val="0"/>
+                  </a:schemeClr>
+                </a:effectRef>
+                <a:fontRef idx="minor">
+                  <a:schemeClr val="dk1">
+                    <a:hueOff val="0"/>
+                    <a:satOff val="0"/>
+                    <a:lumOff val="0"/>
+                    <a:alphaOff val="0"/>
+                  </a:schemeClr>
+                </a:fontRef>
+              </p:style>
+            </p:sp>
+            <p:sp>
+              <p:nvSpPr>
+                <p:cNvPr id="12" name="Pfeil: nach rechts 4">
+                  <a:extLst>
+                    <a:ext uri="{FF2B5EF4-FFF2-40B4-BE49-F238E27FC236}">
+                      <a16:creationId xmlns:a16="http://schemas.microsoft.com/office/drawing/2014/main" id="{1F50CDA9-E8FC-49BC-855E-5AC53D1583A8}"/>
+                    </a:ext>
+                  </a:extLst>
+                </p:cNvPr>
+                <p:cNvSpPr txBox="1"/>
+                <p:nvPr/>
+              </p:nvSpPr>
+              <p:spPr>
+                <a:xfrm>
+                  <a:off x="3227868" y="135599"/>
+                  <a:ext cx="4435835" cy="811934"/>
+                </a:xfrm>
+                <a:prstGeom prst="rect">
+                  <a:avLst/>
+                </a:prstGeom>
+                <a:grpFill/>
+              </p:spPr>
+              <p:style>
+                <a:lnRef idx="0">
+                  <a:scrgbClr r="0" g="0" b="0"/>
+                </a:lnRef>
+                <a:fillRef idx="0">
+                  <a:scrgbClr r="0" g="0" b="0"/>
+                </a:fillRef>
+                <a:effectRef idx="0">
+                  <a:scrgbClr r="0" g="0" b="0"/>
+                </a:effectRef>
+                <a:fontRef idx="minor">
+                  <a:schemeClr val="dk1">
+                    <a:hueOff val="0"/>
+                    <a:satOff val="0"/>
+                    <a:lumOff val="0"/>
+                    <a:alphaOff val="0"/>
+                  </a:schemeClr>
+                </a:fontRef>
+              </p:style>
+              <p:txBody>
+                <a:bodyPr spcFirstLastPara="0" vert="horz" wrap="square" lIns="11430" tIns="11430" rIns="11430" bIns="11430" numCol="1" spcCol="1270" anchor="t" anchorCtr="0">
+                  <a:noAutofit/>
+                </a:bodyPr>
+                <a:lstStyle/>
+                <a:p>
+                  <a:pPr marL="171450" lvl="1" indent="-171450" algn="ctr" defTabSz="800100">
+                    <a:lnSpc>
+                      <a:spcPct val="90000"/>
+                    </a:lnSpc>
+                    <a:spcBef>
+                      <a:spcPct val="0"/>
+                    </a:spcBef>
+                    <a:spcAft>
+                      <a:spcPct val="15000"/>
+                    </a:spcAft>
+                    <a:buNone/>
+                  </a:pPr>
+                  <a:r>
+                    <a:rPr lang="de-DE" sz="1800" kern="1200" dirty="0"/>
+                    <a:t>   </a:t>
+                  </a:r>
+                </a:p>
+                <a:p>
+                  <a:pPr marL="171450" lvl="1" indent="-171450" algn="ctr" defTabSz="800100">
+                    <a:lnSpc>
+                      <a:spcPct val="90000"/>
+                    </a:lnSpc>
+                    <a:spcBef>
+                      <a:spcPct val="0"/>
+                    </a:spcBef>
+                    <a:spcAft>
+                      <a:spcPct val="15000"/>
+                    </a:spcAft>
+                    <a:buNone/>
+                  </a:pPr>
+                  <a:r>
+                    <a:rPr lang="de-DE" sz="1800" kern="1200" dirty="0"/>
+                    <a:t>Find </a:t>
+                  </a:r>
+                  <a:r>
+                    <a:rPr lang="de-DE" sz="1800" kern="1200" dirty="0" err="1"/>
+                    <a:t>better</a:t>
+                  </a:r>
+                  <a:r>
+                    <a:rPr lang="de-DE" sz="1800" kern="1200" dirty="0"/>
+                    <a:t> </a:t>
+                  </a:r>
+                  <a:r>
+                    <a:rPr lang="de-DE" sz="1800" kern="1200" dirty="0" err="1"/>
+                    <a:t>fitting</a:t>
+                  </a:r>
+                  <a:r>
+                    <a:rPr lang="de-DE" sz="1800" kern="1200" dirty="0"/>
+                    <a:t> </a:t>
+                  </a:r>
+                  <a:r>
+                    <a:rPr lang="de-DE" sz="1800" kern="1200" dirty="0" err="1"/>
+                    <a:t>therapy</a:t>
+                  </a:r>
+                  <a:endParaRPr lang="de-DE" sz="1800" kern="1200" dirty="0"/>
+                </a:p>
+              </p:txBody>
+            </p:sp>
+          </p:grpSp>
+          <p:grpSp>
+            <p:nvGrpSpPr>
+              <p:cNvPr id="8" name="Gruppieren 7">
+                <a:extLst>
+                  <a:ext uri="{FF2B5EF4-FFF2-40B4-BE49-F238E27FC236}">
+                    <a16:creationId xmlns:a16="http://schemas.microsoft.com/office/drawing/2014/main" id="{0D9FD9BF-FB17-4DC9-BE3A-DF0E3576D8CA}"/>
+                  </a:ext>
+                </a:extLst>
+              </p:cNvPr>
+              <p:cNvGrpSpPr/>
+              <p:nvPr/>
+            </p:nvGrpSpPr>
+            <p:grpSpPr>
+              <a:xfrm>
+                <a:off x="4827103" y="3802304"/>
+                <a:ext cx="4103547" cy="1082578"/>
+                <a:chOff x="3227868" y="1191113"/>
+                <a:chExt cx="4841802" cy="1082578"/>
+              </a:xfrm>
+              <a:solidFill>
+                <a:schemeClr val="accent1">
+                  <a:lumMod val="20000"/>
+                  <a:lumOff val="80000"/>
+                </a:schemeClr>
+              </a:solidFill>
+            </p:grpSpPr>
+            <p:sp>
+              <p:nvSpPr>
+                <p:cNvPr id="9" name="Pfeil: nach rechts 8">
+                  <a:extLst>
+                    <a:ext uri="{FF2B5EF4-FFF2-40B4-BE49-F238E27FC236}">
+                      <a16:creationId xmlns:a16="http://schemas.microsoft.com/office/drawing/2014/main" id="{F694F407-D155-4565-B094-FF3DFF433989}"/>
+                    </a:ext>
+                  </a:extLst>
+                </p:cNvPr>
+                <p:cNvSpPr/>
+                <p:nvPr/>
+              </p:nvSpPr>
+              <p:spPr>
+                <a:xfrm>
+                  <a:off x="3227868" y="1191113"/>
+                  <a:ext cx="4841802" cy="1082578"/>
+                </a:xfrm>
+                <a:prstGeom prst="rightArrow">
+                  <a:avLst>
+                    <a:gd name="adj1" fmla="val 75000"/>
+                    <a:gd name="adj2" fmla="val 50000"/>
+                  </a:avLst>
+                </a:prstGeom>
+                <a:grpFill/>
+              </p:spPr>
+              <p:style>
+                <a:lnRef idx="2">
+                  <a:schemeClr val="accent1">
+                    <a:alpha val="90000"/>
+                    <a:tint val="40000"/>
+                    <a:hueOff val="0"/>
+                    <a:satOff val="0"/>
+                    <a:lumOff val="0"/>
+                    <a:alphaOff val="0"/>
+                  </a:schemeClr>
+                </a:lnRef>
+                <a:fillRef idx="1">
+                  <a:schemeClr val="accent1">
+                    <a:alpha val="90000"/>
+                    <a:tint val="40000"/>
+                    <a:hueOff val="0"/>
+                    <a:satOff val="0"/>
+                    <a:lumOff val="0"/>
+                    <a:alphaOff val="0"/>
+                  </a:schemeClr>
+                </a:fillRef>
+                <a:effectRef idx="0">
+                  <a:schemeClr val="accent1">
+                    <a:alpha val="90000"/>
+                    <a:tint val="40000"/>
+                    <a:hueOff val="0"/>
+                    <a:satOff val="0"/>
+                    <a:lumOff val="0"/>
+                    <a:alphaOff val="0"/>
+                  </a:schemeClr>
+                </a:effectRef>
+                <a:fontRef idx="minor">
+                  <a:schemeClr val="dk1">
+                    <a:hueOff val="0"/>
+                    <a:satOff val="0"/>
+                    <a:lumOff val="0"/>
+                    <a:alphaOff val="0"/>
+                  </a:schemeClr>
+                </a:fontRef>
+              </p:style>
+            </p:sp>
+            <p:sp>
+              <p:nvSpPr>
+                <p:cNvPr id="10" name="Pfeil: nach rechts 6">
+                  <a:extLst>
+                    <a:ext uri="{FF2B5EF4-FFF2-40B4-BE49-F238E27FC236}">
+                      <a16:creationId xmlns:a16="http://schemas.microsoft.com/office/drawing/2014/main" id="{6BA87EBB-7895-4DB8-AD57-D8151EC451DA}"/>
+                    </a:ext>
+                  </a:extLst>
+                </p:cNvPr>
+                <p:cNvSpPr txBox="1"/>
+                <p:nvPr/>
+              </p:nvSpPr>
+              <p:spPr>
+                <a:xfrm>
+                  <a:off x="3227868" y="1326435"/>
+                  <a:ext cx="4435835" cy="811934"/>
+                </a:xfrm>
+                <a:prstGeom prst="rect">
+                  <a:avLst/>
+                </a:prstGeom>
+                <a:grpFill/>
+              </p:spPr>
+              <p:style>
+                <a:lnRef idx="0">
+                  <a:scrgbClr r="0" g="0" b="0"/>
+                </a:lnRef>
+                <a:fillRef idx="0">
+                  <a:scrgbClr r="0" g="0" b="0"/>
+                </a:fillRef>
+                <a:effectRef idx="0">
+                  <a:scrgbClr r="0" g="0" b="0"/>
+                </a:effectRef>
+                <a:fontRef idx="minor">
+                  <a:schemeClr val="dk1">
+                    <a:hueOff val="0"/>
+                    <a:satOff val="0"/>
+                    <a:lumOff val="0"/>
+                    <a:alphaOff val="0"/>
+                  </a:schemeClr>
+                </a:fontRef>
+              </p:style>
+              <p:txBody>
+                <a:bodyPr spcFirstLastPara="0" vert="horz" wrap="square" lIns="11430" tIns="11430" rIns="11430" bIns="11430" numCol="1" spcCol="1270" anchor="t" anchorCtr="0">
+                  <a:noAutofit/>
+                </a:bodyPr>
+                <a:lstStyle/>
+                <a:p>
+                  <a:pPr marL="171450" lvl="1" indent="-171450" algn="l" defTabSz="800100">
+                    <a:lnSpc>
+                      <a:spcPct val="90000"/>
+                    </a:lnSpc>
+                    <a:spcBef>
+                      <a:spcPct val="0"/>
+                    </a:spcBef>
+                    <a:spcAft>
+                      <a:spcPct val="15000"/>
+                    </a:spcAft>
+                    <a:buNone/>
+                  </a:pPr>
+                  <a:r>
+                    <a:rPr lang="de-DE" sz="1800" kern="1200" dirty="0"/>
+                    <a:t>   </a:t>
+                  </a:r>
+                  <a:r>
+                    <a:rPr lang="de-DE" sz="1800" kern="1200" dirty="0" err="1"/>
+                    <a:t>Make</a:t>
+                  </a:r>
+                  <a:r>
+                    <a:rPr lang="de-DE" sz="1800" kern="1200" dirty="0"/>
+                    <a:t> </a:t>
+                  </a:r>
+                  <a:r>
+                    <a:rPr lang="de-DE" sz="1800" kern="1200" dirty="0" err="1"/>
+                    <a:t>appropiate</a:t>
+                  </a:r>
+                  <a:r>
+                    <a:rPr lang="de-DE" sz="1800" kern="1200" dirty="0"/>
+                    <a:t> </a:t>
+                  </a:r>
+                  <a:r>
+                    <a:rPr lang="de-DE" sz="1800" kern="1200" dirty="0" err="1"/>
+                    <a:t>actions</a:t>
+                  </a:r>
+                  <a:r>
+                    <a:rPr lang="de-DE" sz="1800" kern="1200" dirty="0"/>
+                    <a:t> </a:t>
+                  </a:r>
+                  <a:r>
+                    <a:rPr lang="de-DE" sz="1800" kern="1200" dirty="0" err="1"/>
+                    <a:t>earlier</a:t>
+                  </a:r>
+                  <a:endParaRPr lang="de-DE" sz="1800" kern="1200" dirty="0"/>
+                </a:p>
+                <a:p>
+                  <a:pPr marL="171450" lvl="1" indent="-171450" algn="l" defTabSz="800100">
+                    <a:lnSpc>
+                      <a:spcPct val="90000"/>
+                    </a:lnSpc>
+                    <a:spcBef>
+                      <a:spcPct val="0"/>
+                    </a:spcBef>
+                    <a:spcAft>
+                      <a:spcPct val="15000"/>
+                    </a:spcAft>
+                    <a:buNone/>
+                  </a:pPr>
+                  <a:r>
+                    <a:rPr lang="de-DE" sz="1800" kern="1200" dirty="0">
+                      <a:sym typeface="Wingdings" panose="05000000000000000000" pitchFamily="2" charset="2"/>
+                    </a:rPr>
+                    <a:t>    </a:t>
+                  </a:r>
+                  <a:r>
+                    <a:rPr lang="de-DE" sz="1800" kern="1200" dirty="0" err="1"/>
+                    <a:t>redurce</a:t>
+                  </a:r>
+                  <a:r>
+                    <a:rPr lang="de-DE" sz="1800" kern="1200" dirty="0"/>
+                    <a:t> </a:t>
+                  </a:r>
+                  <a:r>
+                    <a:rPr lang="de-DE" sz="1800" kern="1200" dirty="0" err="1"/>
+                    <a:t>number</a:t>
+                  </a:r>
+                  <a:r>
+                    <a:rPr lang="de-DE" sz="1800" kern="1200" dirty="0"/>
+                    <a:t> of adverse </a:t>
+                  </a:r>
+                  <a:r>
+                    <a:rPr lang="de-DE" sz="1800" kern="1200" dirty="0" err="1"/>
+                    <a:t>outcomes</a:t>
+                  </a:r>
+                  <a:r>
+                    <a:rPr lang="de-DE" sz="1800" kern="1200" dirty="0"/>
+                    <a:t> (e.g. TLF)</a:t>
+                  </a:r>
+                </a:p>
+              </p:txBody>
+            </p:sp>
+          </p:grpSp>
+        </p:grpSp>
+        <p:pic>
+          <p:nvPicPr>
+            <p:cNvPr id="17" name="Grafik 16">
               <a:extLst>
                 <a:ext uri="{FF2B5EF4-FFF2-40B4-BE49-F238E27FC236}">
-                  <a16:creationId xmlns:a16="http://schemas.microsoft.com/office/drawing/2014/main" id="{1F50CDA9-E8FC-49BC-855E-5AC53D1583A8}"/>
+                  <a16:creationId xmlns:a16="http://schemas.microsoft.com/office/drawing/2014/main" id="{22E18C09-057B-497D-8FAD-5D137AD0A80C}"/>
                 </a:ext>
               </a:extLst>
             </p:cNvPr>
-            <p:cNvSpPr txBox="1"/>
+            <p:cNvPicPr>
+              <a:picLocks noChangeAspect="1"/>
+            </p:cNvPicPr>
             <p:nvPr/>
-          </p:nvSpPr>
+          </p:nvPicPr>
+          <p:blipFill>
+            <a:blip r:embed="rId8"/>
+            <a:stretch>
+              <a:fillRect/>
+            </a:stretch>
+          </p:blipFill>
           <p:spPr>
             <a:xfrm>
-              <a:off x="3227868" y="135599"/>
-              <a:ext cx="4435835" cy="811934"/>
+              <a:off x="3776523" y="4211052"/>
+              <a:ext cx="274799" cy="347316"/>
             </a:xfrm>
             <a:prstGeom prst="rect">
               <a:avLst/>
             </a:prstGeom>
-            <a:grpFill/>
           </p:spPr>
-          <p:style>
-            <a:lnRef idx="0">
-              <a:scrgbClr r="0" g="0" b="0"/>
-            </a:lnRef>
-            <a:fillRef idx="0">
-              <a:scrgbClr r="0" g="0" b="0"/>
-            </a:fillRef>
-            <a:effectRef idx="0">
-              <a:scrgbClr r="0" g="0" b="0"/>
-            </a:effectRef>
-            <a:fontRef idx="minor">
-              <a:schemeClr val="dk1">
-                <a:hueOff val="0"/>
-                <a:satOff val="0"/>
-                <a:lumOff val="0"/>
-                <a:alphaOff val="0"/>
-              </a:schemeClr>
-            </a:fontRef>
-          </p:style>
-          <p:txBody>
-            <a:bodyPr spcFirstLastPara="0" vert="horz" wrap="square" lIns="11430" tIns="11430" rIns="11430" bIns="11430" numCol="1" spcCol="1270" anchor="t" anchorCtr="0">
-              <a:noAutofit/>
-            </a:bodyPr>
-            <a:lstStyle/>
-            <a:p>
-              <a:pPr marL="171450" lvl="1" indent="-171450" algn="ctr" defTabSz="800100">
-                <a:lnSpc>
-                  <a:spcPct val="90000"/>
-                </a:lnSpc>
-                <a:spcBef>
-                  <a:spcPct val="0"/>
-                </a:spcBef>
-                <a:spcAft>
-                  <a:spcPct val="15000"/>
-                </a:spcAft>
-                <a:buNone/>
-              </a:pPr>
-              <a:r>
-                <a:rPr lang="de-DE" sz="1800" kern="1200" dirty="0"/>
-                <a:t>   </a:t>
-              </a:r>
-            </a:p>
-            <a:p>
-              <a:pPr marL="171450" lvl="1" indent="-171450" algn="ctr" defTabSz="800100">
-                <a:lnSpc>
-                  <a:spcPct val="90000"/>
-                </a:lnSpc>
-                <a:spcBef>
-                  <a:spcPct val="0"/>
-                </a:spcBef>
-                <a:spcAft>
-                  <a:spcPct val="15000"/>
-                </a:spcAft>
-                <a:buNone/>
-              </a:pPr>
-              <a:r>
-                <a:rPr lang="de-DE" sz="1800" kern="1200" dirty="0"/>
-                <a:t>Find </a:t>
-              </a:r>
-              <a:r>
-                <a:rPr lang="de-DE" sz="1800" kern="1200" dirty="0" err="1"/>
-                <a:t>better</a:t>
-              </a:r>
-              <a:r>
-                <a:rPr lang="de-DE" sz="1800" kern="1200" dirty="0"/>
-                <a:t> </a:t>
-              </a:r>
-              <a:r>
-                <a:rPr lang="de-DE" sz="1800" kern="1200" dirty="0" err="1"/>
-                <a:t>fitting</a:t>
-              </a:r>
-              <a:r>
-                <a:rPr lang="de-DE" sz="1800" kern="1200" dirty="0"/>
-                <a:t> </a:t>
-              </a:r>
-              <a:r>
-                <a:rPr lang="de-DE" sz="1800" kern="1200" dirty="0" err="1"/>
-                <a:t>therapy</a:t>
-              </a:r>
-              <a:endParaRPr lang="de-DE" sz="1800" kern="1200" dirty="0"/>
-            </a:p>
-          </p:txBody>
-        </p:sp>
-      </p:grpSp>
-      <p:grpSp>
-        <p:nvGrpSpPr>
-          <p:cNvPr id="8" name="Gruppieren 7">
-            <a:extLst>
-              <a:ext uri="{FF2B5EF4-FFF2-40B4-BE49-F238E27FC236}">
-                <a16:creationId xmlns:a16="http://schemas.microsoft.com/office/drawing/2014/main" id="{0D9FD9BF-FB17-4DC9-BE3A-DF0E3576D8CA}"/>
-              </a:ext>
-            </a:extLst>
-          </p:cNvPr>
-          <p:cNvGrpSpPr/>
-          <p:nvPr/>
-        </p:nvGrpSpPr>
-        <p:grpSpPr>
-          <a:xfrm>
-            <a:off x="4827103" y="3802304"/>
-            <a:ext cx="4103547" cy="1082578"/>
-            <a:chOff x="3227868" y="1191113"/>
-            <a:chExt cx="4841802" cy="1082578"/>
-          </a:xfrm>
-          <a:solidFill>
-            <a:schemeClr val="accent1">
-              <a:lumMod val="20000"/>
-              <a:lumOff val="80000"/>
-            </a:schemeClr>
-          </a:solidFill>
-        </p:grpSpPr>
-        <p:sp>
-          <p:nvSpPr>
-            <p:cNvPr id="9" name="Pfeil: nach rechts 8">
+        </p:pic>
+        <p:pic>
+          <p:nvPicPr>
+            <p:cNvPr id="18" name="Grafik 17">
               <a:extLst>
                 <a:ext uri="{FF2B5EF4-FFF2-40B4-BE49-F238E27FC236}">
-                  <a16:creationId xmlns:a16="http://schemas.microsoft.com/office/drawing/2014/main" id="{F694F407-D155-4565-B094-FF3DFF433989}"/>
+                  <a16:creationId xmlns:a16="http://schemas.microsoft.com/office/drawing/2014/main" id="{B3232003-82DB-4571-AA7F-F842440221E8}"/>
                 </a:ext>
               </a:extLst>
             </p:cNvPr>
-            <p:cNvSpPr/>
+            <p:cNvPicPr>
+              <a:picLocks noChangeAspect="1"/>
+            </p:cNvPicPr>
             <p:nvPr/>
-          </p:nvSpPr>
+          </p:nvPicPr>
+          <p:blipFill>
+            <a:blip r:embed="rId8"/>
+            <a:stretch>
+              <a:fillRect/>
+            </a:stretch>
+          </p:blipFill>
           <p:spPr>
             <a:xfrm>
-              <a:off x="3227868" y="1191113"/>
-              <a:ext cx="4841802" cy="1082578"/>
-            </a:xfrm>
-            <a:prstGeom prst="rightArrow">
-              <a:avLst>
-                <a:gd name="adj1" fmla="val 75000"/>
-                <a:gd name="adj2" fmla="val 50000"/>
-              </a:avLst>
-            </a:prstGeom>
-            <a:grpFill/>
-          </p:spPr>
-          <p:style>
-            <a:lnRef idx="2">
-              <a:schemeClr val="accent1">
-                <a:alpha val="90000"/>
-                <a:tint val="40000"/>
-                <a:hueOff val="0"/>
-                <a:satOff val="0"/>
-                <a:lumOff val="0"/>
-                <a:alphaOff val="0"/>
-              </a:schemeClr>
-            </a:lnRef>
-            <a:fillRef idx="1">
-              <a:schemeClr val="accent1">
-                <a:alpha val="90000"/>
-                <a:tint val="40000"/>
-                <a:hueOff val="0"/>
-                <a:satOff val="0"/>
-                <a:lumOff val="0"/>
-                <a:alphaOff val="0"/>
-              </a:schemeClr>
-            </a:fillRef>
-            <a:effectRef idx="0">
-              <a:schemeClr val="accent1">
-                <a:alpha val="90000"/>
-                <a:tint val="40000"/>
-                <a:hueOff val="0"/>
-                <a:satOff val="0"/>
-                <a:lumOff val="0"/>
-                <a:alphaOff val="0"/>
-              </a:schemeClr>
-            </a:effectRef>
-            <a:fontRef idx="minor">
-              <a:schemeClr val="dk1">
-                <a:hueOff val="0"/>
-                <a:satOff val="0"/>
-                <a:lumOff val="0"/>
-                <a:alphaOff val="0"/>
-              </a:schemeClr>
-            </a:fontRef>
-          </p:style>
-        </p:sp>
-        <p:sp>
-          <p:nvSpPr>
-            <p:cNvPr id="10" name="Pfeil: nach rechts 6">
-              <a:extLst>
-                <a:ext uri="{FF2B5EF4-FFF2-40B4-BE49-F238E27FC236}">
-                  <a16:creationId xmlns:a16="http://schemas.microsoft.com/office/drawing/2014/main" id="{6BA87EBB-7895-4DB8-AD57-D8151EC451DA}"/>
-                </a:ext>
-              </a:extLst>
-            </p:cNvPr>
-            <p:cNvSpPr txBox="1"/>
-            <p:nvPr/>
-          </p:nvSpPr>
-          <p:spPr>
-            <a:xfrm>
-              <a:off x="3227868" y="1326435"/>
-              <a:ext cx="4435835" cy="811934"/>
+              <a:off x="3776522" y="3040476"/>
+              <a:ext cx="274799" cy="347316"/>
             </a:xfrm>
             <a:prstGeom prst="rect">
               <a:avLst/>
             </a:prstGeom>
-            <a:grpFill/>
           </p:spPr>
-          <p:style>
-            <a:lnRef idx="0">
-              <a:scrgbClr r="0" g="0" b="0"/>
-            </a:lnRef>
-            <a:fillRef idx="0">
-              <a:scrgbClr r="0" g="0" b="0"/>
-            </a:fillRef>
-            <a:effectRef idx="0">
-              <a:scrgbClr r="0" g="0" b="0"/>
-            </a:effectRef>
-            <a:fontRef idx="minor">
-              <a:schemeClr val="dk1">
-                <a:hueOff val="0"/>
-                <a:satOff val="0"/>
-                <a:lumOff val="0"/>
-                <a:alphaOff val="0"/>
-              </a:schemeClr>
-            </a:fontRef>
-          </p:style>
-          <p:txBody>
-            <a:bodyPr spcFirstLastPara="0" vert="horz" wrap="square" lIns="11430" tIns="11430" rIns="11430" bIns="11430" numCol="1" spcCol="1270" anchor="t" anchorCtr="0">
-              <a:noAutofit/>
-            </a:bodyPr>
-            <a:lstStyle/>
-            <a:p>
-              <a:pPr marL="171450" lvl="1" indent="-171450" algn="l" defTabSz="800100">
-                <a:lnSpc>
-                  <a:spcPct val="90000"/>
-                </a:lnSpc>
-                <a:spcBef>
-                  <a:spcPct val="0"/>
-                </a:spcBef>
-                <a:spcAft>
-                  <a:spcPct val="15000"/>
-                </a:spcAft>
-                <a:buNone/>
-              </a:pPr>
-              <a:r>
-                <a:rPr lang="de-DE" sz="1800" kern="1200" dirty="0"/>
-                <a:t>   </a:t>
-              </a:r>
-              <a:r>
-                <a:rPr lang="de-DE" sz="1800" kern="1200" dirty="0" err="1"/>
-                <a:t>Make</a:t>
-              </a:r>
-              <a:r>
-                <a:rPr lang="de-DE" sz="1800" kern="1200" dirty="0"/>
-                <a:t> </a:t>
-              </a:r>
-              <a:r>
-                <a:rPr lang="de-DE" sz="1800" kern="1200" dirty="0" err="1"/>
-                <a:t>appropiate</a:t>
-              </a:r>
-              <a:r>
-                <a:rPr lang="de-DE" sz="1800" kern="1200" dirty="0"/>
-                <a:t> </a:t>
-              </a:r>
-              <a:r>
-                <a:rPr lang="de-DE" sz="1800" kern="1200" dirty="0" err="1"/>
-                <a:t>actions</a:t>
-              </a:r>
-              <a:r>
-                <a:rPr lang="de-DE" sz="1800" kern="1200" dirty="0"/>
-                <a:t> </a:t>
-              </a:r>
-              <a:r>
-                <a:rPr lang="de-DE" sz="1800" kern="1200" dirty="0" err="1"/>
-                <a:t>earlier</a:t>
-              </a:r>
-              <a:endParaRPr lang="de-DE" sz="1800" kern="1200" dirty="0"/>
-            </a:p>
-            <a:p>
-              <a:pPr marL="171450" lvl="1" indent="-171450" algn="l" defTabSz="800100">
-                <a:lnSpc>
-                  <a:spcPct val="90000"/>
-                </a:lnSpc>
-                <a:spcBef>
-                  <a:spcPct val="0"/>
-                </a:spcBef>
-                <a:spcAft>
-                  <a:spcPct val="15000"/>
-                </a:spcAft>
-                <a:buNone/>
-              </a:pPr>
-              <a:r>
-                <a:rPr lang="de-DE" sz="1800" kern="1200" dirty="0">
-                  <a:sym typeface="Wingdings" panose="05000000000000000000" pitchFamily="2" charset="2"/>
-                </a:rPr>
-                <a:t>    </a:t>
-              </a:r>
-              <a:r>
-                <a:rPr lang="de-DE" sz="1800" kern="1200" dirty="0" err="1"/>
-                <a:t>redurce</a:t>
-              </a:r>
-              <a:r>
-                <a:rPr lang="de-DE" sz="1800" kern="1200" dirty="0"/>
-                <a:t> </a:t>
-              </a:r>
-              <a:r>
-                <a:rPr lang="de-DE" sz="1800" kern="1200" dirty="0" err="1"/>
-                <a:t>number</a:t>
-              </a:r>
-              <a:r>
-                <a:rPr lang="de-DE" sz="1800" kern="1200" dirty="0"/>
-                <a:t> of adverse </a:t>
-              </a:r>
-              <a:r>
-                <a:rPr lang="de-DE" sz="1800" kern="1200" dirty="0" err="1"/>
-                <a:t>outcomes</a:t>
-              </a:r>
-              <a:r>
-                <a:rPr lang="de-DE" sz="1800" kern="1200" dirty="0"/>
-                <a:t> (e.g. TLF)</a:t>
-              </a:r>
-            </a:p>
-          </p:txBody>
-        </p:sp>
+        </p:pic>
       </p:grpSp>
-      <p:pic>
-        <p:nvPicPr>
-          <p:cNvPr id="17" name="Grafik 16">
+      <p:sp>
+        <p:nvSpPr>
+          <p:cNvPr id="16" name="Rechteck 15">
             <a:extLst>
               <a:ext uri="{FF2B5EF4-FFF2-40B4-BE49-F238E27FC236}">
-                <a16:creationId xmlns:a16="http://schemas.microsoft.com/office/drawing/2014/main" id="{22E18C09-057B-497D-8FAD-5D137AD0A80C}"/>
+                <a16:creationId xmlns:a16="http://schemas.microsoft.com/office/drawing/2014/main" id="{14A34811-7AC4-48C3-9C5E-5A7BEAA42EA1}"/>
               </a:ext>
             </a:extLst>
           </p:cNvPr>
-          <p:cNvPicPr>
-            <a:picLocks noChangeAspect="1"/>
-          </p:cNvPicPr>
+          <p:cNvSpPr/>
           <p:nvPr/>
-        </p:nvPicPr>
-        <p:blipFill>
-          <a:blip r:embed="rId8"/>
-          <a:stretch>
-            <a:fillRect/>
-          </a:stretch>
-        </p:blipFill>
+        </p:nvSpPr>
         <p:spPr>
           <a:xfrm>
-            <a:off x="3776523" y="4211052"/>
-            <a:ext cx="274799" cy="347316"/>
+            <a:off x="250825" y="4506137"/>
+            <a:ext cx="8075028" cy="646331"/>
           </a:xfrm>
           <a:prstGeom prst="rect">
             <a:avLst/>
           </a:prstGeom>
         </p:spPr>
-      </p:pic>
-      <p:pic>
-        <p:nvPicPr>
-          <p:cNvPr id="18" name="Grafik 17">
-            <a:extLst>
-              <a:ext uri="{FF2B5EF4-FFF2-40B4-BE49-F238E27FC236}">
-                <a16:creationId xmlns:a16="http://schemas.microsoft.com/office/drawing/2014/main" id="{B3232003-82DB-4571-AA7F-F842440221E8}"/>
-              </a:ext>
-            </a:extLst>
-          </p:cNvPr>
-          <p:cNvPicPr>
-            <a:picLocks noChangeAspect="1"/>
-          </p:cNvPicPr>
-          <p:nvPr/>
-        </p:nvPicPr>
-        <p:blipFill>
-          <a:blip r:embed="rId8"/>
-          <a:stretch>
-            <a:fillRect/>
-          </a:stretch>
-        </p:blipFill>
-        <p:spPr>
-          <a:xfrm>
-            <a:off x="3776522" y="3040476"/>
-            <a:ext cx="274799" cy="347316"/>
-          </a:xfrm>
-          <a:prstGeom prst="rect">
-            <a:avLst/>
-          </a:prstGeom>
-        </p:spPr>
-      </p:pic>
+        <p:txBody>
+          <a:bodyPr wrap="square">
+            <a:spAutoFit/>
+          </a:bodyPr>
+          <a:lstStyle/>
+          <a:p>
+            <a:r>
+              <a:rPr lang="en-US" b="1" dirty="0"/>
+              <a:t>Supervised classification methods </a:t>
+            </a:r>
+            <a:r>
+              <a:rPr lang="en-US" dirty="0"/>
+              <a:t>and </a:t>
+            </a:r>
+            <a:r>
+              <a:rPr lang="en-US" b="1" dirty="0"/>
+              <a:t>“time to event” prediction </a:t>
+            </a:r>
+            <a:r>
+              <a:rPr lang="en-US" dirty="0"/>
+              <a:t>(Survival Analysis)</a:t>
+            </a:r>
+            <a:r>
+              <a:rPr lang="en-US" b="1" dirty="0"/>
+              <a:t> </a:t>
+            </a:r>
+            <a:endParaRPr lang="de-DE" b="1" dirty="0"/>
+          </a:p>
+        </p:txBody>
+      </p:sp>
     </p:spTree>
     <p:extLst>
       <p:ext uri="{BB962C8B-B14F-4D97-AF65-F5344CB8AC3E}">
@@ -13365,7 +15524,7 @@
 </p:sld>
 </file>
 
-<file path=ppt/slides/slide6.xml><?xml version="1.0" encoding="utf-8"?>
+<file path=ppt/slides/slide7.xml><?xml version="1.0" encoding="utf-8"?>
 <p:sld xmlns:a="http://schemas.openxmlformats.org/drawingml/2006/main" xmlns:r="http://schemas.openxmlformats.org/officeDocument/2006/relationships" xmlns:p="http://schemas.openxmlformats.org/presentationml/2006/main">
   <p:cSld>
     <p:spTree>
@@ -13404,7 +15563,7 @@
           <a:lstStyle/>
           <a:p>
             <a:r>
-              <a:rPr lang="de-DE" dirty="0"/>
+              <a:rPr lang="en-GB" noProof="0" dirty="0"/>
               <a:t>Future Work</a:t>
             </a:r>
           </a:p>
@@ -13428,7 +15587,7 @@
             <a:fld id="{1744B4DD-8F10-491C-BFC2-D4DC64F16D79}" type="slidenum">
               <a:rPr lang="de-DE" smtClean="0"/>
               <a:pPr/>
-              <a:t>6</a:t>
+              <a:t>7</a:t>
             </a:fld>
             <a:r>
               <a:rPr lang="de-DE">
@@ -13443,10 +15602,496 @@
       </p:sp>
       <p:sp>
         <p:nvSpPr>
-          <p:cNvPr id="4" name="Textfeld 3">
+          <p:cNvPr id="6" name="Textplatzhalter 5">
             <a:extLst>
               <a:ext uri="{FF2B5EF4-FFF2-40B4-BE49-F238E27FC236}">
-                <a16:creationId xmlns:a16="http://schemas.microsoft.com/office/drawing/2014/main" id="{7FBE96CD-7F66-48F5-B120-6F4FF8653FE7}"/>
+                <a16:creationId xmlns:a16="http://schemas.microsoft.com/office/drawing/2014/main" id="{40C486E9-3BBB-4E4B-8752-3A302B9AADB5}"/>
+              </a:ext>
+            </a:extLst>
+          </p:cNvPr>
+          <p:cNvSpPr>
+            <a:spLocks noGrp="1"/>
+          </p:cNvSpPr>
+          <p:nvPr>
+            <p:ph type="body" sz="quarter" idx="15"/>
+          </p:nvPr>
+        </p:nvSpPr>
+        <p:spPr>
+          <a:xfrm>
+            <a:off x="195991" y="1855000"/>
+            <a:ext cx="4266345" cy="4378325"/>
+          </a:xfrm>
+        </p:spPr>
+        <p:txBody>
+          <a:bodyPr/>
+          <a:lstStyle/>
+          <a:p>
+            <a:r>
+              <a:rPr lang="de-DE" sz="1800" dirty="0">
+                <a:latin typeface="+mn-lt"/>
+              </a:rPr>
+              <a:t>Feature </a:t>
+            </a:r>
+            <a:r>
+              <a:rPr lang="de-DE" sz="1800" dirty="0" err="1">
+                <a:latin typeface="+mn-lt"/>
+              </a:rPr>
+              <a:t>Selection</a:t>
+            </a:r>
+            <a:endParaRPr lang="de-DE" sz="1800" dirty="0">
+              <a:latin typeface="+mn-lt"/>
+            </a:endParaRPr>
+          </a:p>
+          <a:p>
+            <a:r>
+              <a:rPr lang="de-DE" sz="1800" dirty="0">
+                <a:latin typeface="+mn-lt"/>
+              </a:rPr>
+              <a:t>Feature </a:t>
+            </a:r>
+            <a:r>
+              <a:rPr lang="de-DE" sz="1800" dirty="0" err="1">
+                <a:latin typeface="+mn-lt"/>
+              </a:rPr>
+              <a:t>Scaling</a:t>
+            </a:r>
+            <a:endParaRPr lang="de-DE" sz="1800" dirty="0">
+              <a:latin typeface="+mn-lt"/>
+            </a:endParaRPr>
+          </a:p>
+          <a:p>
+            <a:pPr lvl="1"/>
+            <a:r>
+              <a:rPr lang="en-GB" sz="1600" dirty="0" err="1">
+                <a:latin typeface="+mn-lt"/>
+              </a:rPr>
+              <a:t>MinMaxScaler</a:t>
+            </a:r>
+            <a:endParaRPr lang="en-GB" sz="1600" dirty="0">
+              <a:latin typeface="+mn-lt"/>
+            </a:endParaRPr>
+          </a:p>
+          <a:p>
+            <a:pPr lvl="1"/>
+            <a:r>
+              <a:rPr lang="en-GB" sz="1600" dirty="0" err="1">
+                <a:latin typeface="+mn-lt"/>
+              </a:rPr>
+              <a:t>RobustScaler</a:t>
+            </a:r>
+            <a:endParaRPr lang="en-GB" sz="1600" dirty="0">
+              <a:latin typeface="+mn-lt"/>
+            </a:endParaRPr>
+          </a:p>
+          <a:p>
+            <a:pPr lvl="1"/>
+            <a:r>
+              <a:rPr lang="en-GB" sz="1600" dirty="0">
+                <a:latin typeface="+mn-lt"/>
+              </a:rPr>
+              <a:t>Quantile Transformer</a:t>
+            </a:r>
+          </a:p>
+          <a:p>
+            <a:r>
+              <a:rPr lang="de-DE" sz="1800" dirty="0" err="1">
+                <a:latin typeface="+mn-lt"/>
+              </a:rPr>
+              <a:t>Classifiers</a:t>
+            </a:r>
+            <a:r>
+              <a:rPr lang="de-DE" sz="1800" dirty="0">
+                <a:latin typeface="+mn-lt"/>
+              </a:rPr>
+              <a:t> + Hyperparameter </a:t>
+            </a:r>
+            <a:r>
+              <a:rPr lang="de-DE" sz="1800" dirty="0" err="1">
+                <a:latin typeface="+mn-lt"/>
+              </a:rPr>
+              <a:t>Optimization</a:t>
+            </a:r>
+            <a:endParaRPr lang="de-DE" sz="1800" dirty="0">
+              <a:latin typeface="+mn-lt"/>
+            </a:endParaRPr>
+          </a:p>
+          <a:p>
+            <a:pPr lvl="1"/>
+            <a:r>
+              <a:rPr lang="de-DE" sz="1600" dirty="0">
+                <a:latin typeface="+mn-lt"/>
+              </a:rPr>
+              <a:t>K-</a:t>
+            </a:r>
+            <a:r>
+              <a:rPr lang="de-DE" sz="1600" dirty="0" err="1">
+                <a:latin typeface="+mn-lt"/>
+              </a:rPr>
+              <a:t>Nearest</a:t>
+            </a:r>
+            <a:r>
+              <a:rPr lang="de-DE" sz="1600" dirty="0">
+                <a:latin typeface="+mn-lt"/>
+              </a:rPr>
+              <a:t> </a:t>
+            </a:r>
+            <a:r>
+              <a:rPr lang="de-DE" sz="1600" dirty="0" err="1">
+                <a:latin typeface="+mn-lt"/>
+              </a:rPr>
+              <a:t>Neighbors</a:t>
+            </a:r>
+            <a:endParaRPr lang="de-DE" sz="1600" dirty="0">
+              <a:latin typeface="+mn-lt"/>
+            </a:endParaRPr>
+          </a:p>
+          <a:p>
+            <a:pPr lvl="1"/>
+            <a:r>
+              <a:rPr lang="de-DE" sz="1600" dirty="0">
+                <a:latin typeface="+mn-lt"/>
+              </a:rPr>
+              <a:t>Random Forest</a:t>
+            </a:r>
+          </a:p>
+          <a:p>
+            <a:pPr lvl="1"/>
+            <a:r>
+              <a:rPr lang="de-DE" sz="1600" dirty="0">
+                <a:latin typeface="+mn-lt"/>
+              </a:rPr>
+              <a:t>Support Vector </a:t>
+            </a:r>
+            <a:r>
+              <a:rPr lang="de-DE" sz="1600" dirty="0" err="1">
+                <a:latin typeface="+mn-lt"/>
+              </a:rPr>
+              <a:t>Machine</a:t>
+            </a:r>
+            <a:endParaRPr lang="de-DE" sz="1600" dirty="0">
+              <a:latin typeface="+mn-lt"/>
+            </a:endParaRPr>
+          </a:p>
+          <a:p>
+            <a:pPr lvl="1"/>
+            <a:r>
+              <a:rPr lang="de-DE" sz="1600" dirty="0" err="1">
+                <a:latin typeface="+mn-lt"/>
+              </a:rPr>
+              <a:t>Gaussian</a:t>
+            </a:r>
+            <a:r>
+              <a:rPr lang="de-DE" sz="1600" dirty="0">
+                <a:latin typeface="+mn-lt"/>
+              </a:rPr>
+              <a:t> </a:t>
+            </a:r>
+            <a:r>
+              <a:rPr lang="de-DE" sz="1600" dirty="0" err="1">
+                <a:latin typeface="+mn-lt"/>
+              </a:rPr>
+              <a:t>Process</a:t>
+            </a:r>
+            <a:endParaRPr lang="de-DE" sz="1600" dirty="0">
+              <a:latin typeface="+mn-lt"/>
+            </a:endParaRPr>
+          </a:p>
+          <a:p>
+            <a:r>
+              <a:rPr lang="de-DE" sz="1800" dirty="0" err="1">
+                <a:latin typeface="+mn-lt"/>
+              </a:rPr>
+              <a:t>Imbalanced</a:t>
+            </a:r>
+            <a:r>
+              <a:rPr lang="de-DE" sz="1800" dirty="0">
+                <a:latin typeface="+mn-lt"/>
+              </a:rPr>
+              <a:t> Data</a:t>
+            </a:r>
+          </a:p>
+          <a:p>
+            <a:pPr lvl="1"/>
+            <a:r>
+              <a:rPr lang="de-DE" sz="1600" dirty="0" err="1">
+                <a:latin typeface="+mn-lt"/>
+              </a:rPr>
+              <a:t>Under</a:t>
+            </a:r>
+            <a:r>
+              <a:rPr lang="de-DE" sz="1600" dirty="0">
+                <a:latin typeface="+mn-lt"/>
+              </a:rPr>
+              <a:t>-/ </a:t>
+            </a:r>
+            <a:r>
+              <a:rPr lang="de-DE" sz="1600" dirty="0" err="1">
+                <a:latin typeface="+mn-lt"/>
+              </a:rPr>
+              <a:t>Oversampling</a:t>
+            </a:r>
+            <a:endParaRPr lang="de-DE" sz="1600" dirty="0">
+              <a:latin typeface="+mn-lt"/>
+            </a:endParaRPr>
+          </a:p>
+          <a:p>
+            <a:pPr lvl="1"/>
+            <a:r>
+              <a:rPr lang="de-DE" sz="1600" dirty="0">
+                <a:latin typeface="+mn-lt"/>
+              </a:rPr>
+              <a:t>Generating </a:t>
+            </a:r>
+            <a:r>
+              <a:rPr lang="de-DE" sz="1600" dirty="0" err="1">
+                <a:latin typeface="+mn-lt"/>
+              </a:rPr>
+              <a:t>Synthetic</a:t>
+            </a:r>
+            <a:r>
+              <a:rPr lang="de-DE" sz="1600" dirty="0">
+                <a:latin typeface="+mn-lt"/>
+              </a:rPr>
+              <a:t> Data</a:t>
+            </a:r>
+          </a:p>
+          <a:p>
+            <a:pPr lvl="1">
+              <a:buFont typeface="Arial" panose="020B0604020202020204" pitchFamily="34" charset="0"/>
+              <a:buChar char="•"/>
+            </a:pPr>
+            <a:endParaRPr lang="de-DE" sz="1600" dirty="0">
+              <a:latin typeface="+mn-lt"/>
+            </a:endParaRPr>
+          </a:p>
+          <a:p>
+            <a:pPr lvl="1"/>
+            <a:endParaRPr lang="de-DE" sz="1800" dirty="0">
+              <a:latin typeface="+mn-lt"/>
+            </a:endParaRPr>
+          </a:p>
+          <a:p>
+            <a:endParaRPr lang="de-DE" sz="1800" dirty="0">
+              <a:latin typeface="+mn-lt"/>
+            </a:endParaRPr>
+          </a:p>
+          <a:p>
+            <a:pPr marL="179388" lvl="1" indent="0">
+              <a:buNone/>
+            </a:pPr>
+            <a:endParaRPr lang="en-GB" sz="1600" dirty="0">
+              <a:latin typeface="+mn-lt"/>
+            </a:endParaRPr>
+          </a:p>
+          <a:p>
+            <a:pPr marL="179388" lvl="1" indent="0">
+              <a:buNone/>
+            </a:pPr>
+            <a:endParaRPr lang="en-GB" sz="1600" dirty="0">
+              <a:latin typeface="+mn-lt"/>
+            </a:endParaRPr>
+          </a:p>
+          <a:p>
+            <a:pPr lvl="1">
+              <a:buFont typeface="Arial" panose="020B0604020202020204" pitchFamily="34" charset="0"/>
+              <a:buChar char="•"/>
+            </a:pPr>
+            <a:endParaRPr lang="en-GB" sz="1600" dirty="0">
+              <a:latin typeface="+mn-lt"/>
+            </a:endParaRPr>
+          </a:p>
+          <a:p>
+            <a:pPr lvl="1">
+              <a:buFont typeface="Arial" panose="020B0604020202020204" pitchFamily="34" charset="0"/>
+              <a:buChar char="•"/>
+            </a:pPr>
+            <a:endParaRPr lang="en-GB" sz="1800" dirty="0">
+              <a:latin typeface="+mn-lt"/>
+            </a:endParaRPr>
+          </a:p>
+        </p:txBody>
+      </p:sp>
+      <p:sp>
+        <p:nvSpPr>
+          <p:cNvPr id="7" name="Textplatzhalter 6">
+            <a:extLst>
+              <a:ext uri="{FF2B5EF4-FFF2-40B4-BE49-F238E27FC236}">
+                <a16:creationId xmlns:a16="http://schemas.microsoft.com/office/drawing/2014/main" id="{1531A1D1-207A-4ED3-AA1A-D09FBC9BEE23}"/>
+              </a:ext>
+            </a:extLst>
+          </p:cNvPr>
+          <p:cNvSpPr>
+            <a:spLocks noGrp="1"/>
+          </p:cNvSpPr>
+          <p:nvPr>
+            <p:ph type="body" sz="quarter" idx="16"/>
+          </p:nvPr>
+        </p:nvSpPr>
+        <p:spPr>
+          <a:xfrm>
+            <a:off x="4517169" y="1844001"/>
+            <a:ext cx="4211511" cy="4378325"/>
+          </a:xfrm>
+        </p:spPr>
+        <p:txBody>
+          <a:bodyPr/>
+          <a:lstStyle/>
+          <a:p>
+            <a:r>
+              <a:rPr lang="de-DE" sz="1800" dirty="0" err="1">
+                <a:latin typeface="+mn-lt"/>
+              </a:rPr>
+              <a:t>Explore</a:t>
+            </a:r>
+            <a:r>
+              <a:rPr lang="de-DE" sz="1800" dirty="0">
+                <a:latin typeface="+mn-lt"/>
+              </a:rPr>
+              <a:t> Data</a:t>
+            </a:r>
+          </a:p>
+          <a:p>
+            <a:pPr lvl="1"/>
+            <a:r>
+              <a:rPr lang="de-DE" sz="1600" dirty="0">
+                <a:latin typeface="+mn-lt"/>
+              </a:rPr>
+              <a:t>Nelson-Aalen </a:t>
+            </a:r>
+            <a:r>
+              <a:rPr lang="de-DE" sz="1600" dirty="0" err="1">
+                <a:latin typeface="+mn-lt"/>
+              </a:rPr>
+              <a:t>Cumulative</a:t>
+            </a:r>
+            <a:r>
+              <a:rPr lang="de-DE" sz="1600" dirty="0">
+                <a:latin typeface="+mn-lt"/>
+              </a:rPr>
+              <a:t> Hazard </a:t>
+            </a:r>
+            <a:r>
+              <a:rPr lang="de-DE" sz="1600" dirty="0" err="1">
+                <a:latin typeface="+mn-lt"/>
+              </a:rPr>
+              <a:t>estimate</a:t>
+            </a:r>
+            <a:r>
+              <a:rPr lang="de-DE" sz="1600" dirty="0">
+                <a:latin typeface="+mn-lt"/>
+              </a:rPr>
+              <a:t> </a:t>
+            </a:r>
+            <a:r>
+              <a:rPr lang="de-DE" sz="1600" dirty="0" err="1">
+                <a:latin typeface="+mn-lt"/>
+              </a:rPr>
+              <a:t>as</a:t>
+            </a:r>
+            <a:r>
+              <a:rPr lang="de-DE" sz="1600" dirty="0">
+                <a:latin typeface="+mn-lt"/>
+              </a:rPr>
+              <a:t> </a:t>
+            </a:r>
+            <a:r>
+              <a:rPr lang="de-DE" sz="1600" dirty="0" err="1">
+                <a:latin typeface="+mn-lt"/>
+              </a:rPr>
+              <a:t>failure</a:t>
+            </a:r>
+            <a:r>
+              <a:rPr lang="de-DE" sz="1600" dirty="0">
+                <a:latin typeface="+mn-lt"/>
+              </a:rPr>
+              <a:t> rate</a:t>
+            </a:r>
+          </a:p>
+          <a:p>
+            <a:pPr lvl="1"/>
+            <a:r>
+              <a:rPr lang="de-DE" sz="1600" dirty="0">
+                <a:latin typeface="+mn-lt"/>
+              </a:rPr>
+              <a:t>KM with different </a:t>
+            </a:r>
+            <a:r>
+              <a:rPr lang="de-DE" sz="1600" dirty="0" err="1">
+                <a:latin typeface="+mn-lt"/>
+              </a:rPr>
+              <a:t>values</a:t>
+            </a:r>
+            <a:r>
+              <a:rPr lang="de-DE" sz="1600" dirty="0">
+                <a:latin typeface="+mn-lt"/>
+              </a:rPr>
+              <a:t> </a:t>
+            </a:r>
+            <a:r>
+              <a:rPr lang="de-DE" sz="1600" dirty="0">
+                <a:latin typeface="+mn-lt"/>
+                <a:sym typeface="Wingdings" panose="05000000000000000000" pitchFamily="2" charset="2"/>
+              </a:rPr>
+              <a:t> </a:t>
+            </a:r>
+            <a:r>
+              <a:rPr lang="en-GB" sz="1600" dirty="0">
+                <a:latin typeface="+mn-lt"/>
+              </a:rPr>
+              <a:t>distinctions on failure in the patients</a:t>
+            </a:r>
+          </a:p>
+          <a:p>
+            <a:r>
+              <a:rPr lang="en-GB" sz="1600" dirty="0">
+                <a:latin typeface="+mn-lt"/>
+              </a:rPr>
+              <a:t>Evaluation Metrics</a:t>
+            </a:r>
+          </a:p>
+          <a:p>
+            <a:pPr lvl="1"/>
+            <a:r>
+              <a:rPr lang="en-GB" sz="1600" dirty="0">
+                <a:latin typeface="+mn-lt"/>
+              </a:rPr>
+              <a:t>C-index</a:t>
+            </a:r>
+          </a:p>
+          <a:p>
+            <a:pPr lvl="1"/>
+            <a:r>
+              <a:rPr lang="en-GB" sz="1600" dirty="0">
+                <a:latin typeface="+mn-lt"/>
+              </a:rPr>
+              <a:t>Brier Score</a:t>
+            </a:r>
+          </a:p>
+          <a:p>
+            <a:r>
+              <a:rPr lang="en-GB" sz="1600" dirty="0">
+                <a:latin typeface="+mn-lt"/>
+              </a:rPr>
+              <a:t>Models</a:t>
+            </a:r>
+          </a:p>
+          <a:p>
+            <a:pPr lvl="1"/>
+            <a:r>
+              <a:rPr lang="en-GB" sz="1600" dirty="0">
+                <a:latin typeface="+mn-lt"/>
+              </a:rPr>
+              <a:t>Cox Model</a:t>
+            </a:r>
+          </a:p>
+        </p:txBody>
+      </p:sp>
+      <p:sp>
+        <p:nvSpPr>
+          <p:cNvPr id="9" name="Textfeld 8">
+            <a:extLst>
+              <a:ext uri="{FF2B5EF4-FFF2-40B4-BE49-F238E27FC236}">
+                <a16:creationId xmlns:a16="http://schemas.microsoft.com/office/drawing/2014/main" id="{615AC4E2-BE0C-4696-A40F-DA369252BA1E}"/>
               </a:ext>
             </a:extLst>
           </p:cNvPr>
@@ -13455,8 +16100,8 @@
         </p:nvSpPr>
         <p:spPr>
           <a:xfrm>
-            <a:off x="250825" y="1335505"/>
-            <a:ext cx="7653922" cy="2862322"/>
+            <a:off x="250825" y="1146157"/>
+            <a:ext cx="4266344" cy="707886"/>
           </a:xfrm>
           <a:prstGeom prst="rect">
             <a:avLst/>
@@ -13469,171 +16114,89 @@
           </a:bodyPr>
           <a:lstStyle/>
           <a:p>
-            <a:pPr marL="285750" indent="-285750">
-              <a:buFont typeface="Arial" panose="020B0604020202020204" pitchFamily="34" charset="0"/>
-              <a:buChar char="•"/>
-            </a:pPr>
-            <a:r>
-              <a:rPr lang="de-DE" u="sng" dirty="0"/>
-              <a:t>So </a:t>
-            </a:r>
-            <a:r>
-              <a:rPr lang="de-DE" u="sng" dirty="0" err="1"/>
-              <a:t>far</a:t>
-            </a:r>
-            <a:r>
-              <a:rPr lang="de-DE" u="sng" dirty="0"/>
+            <a:r>
+              <a:rPr lang="de-DE" sz="2000" b="1" dirty="0" err="1">
+                <a:latin typeface="+mj-lt"/>
+              </a:rPr>
+              <a:t>Supervised</a:t>
+            </a:r>
+            <a:r>
+              <a:rPr lang="de-DE" sz="2000" b="1" dirty="0">
+                <a:latin typeface="+mj-lt"/>
+              </a:rPr>
+              <a:t> Classification </a:t>
+            </a:r>
+          </a:p>
+          <a:p>
+            <a:r>
+              <a:rPr lang="de-DE" sz="2000" dirty="0">
+                <a:latin typeface="+mj-lt"/>
+              </a:rPr>
+              <a:t>(</a:t>
+            </a:r>
+            <a:r>
+              <a:rPr lang="de-DE" sz="2000" dirty="0" err="1">
+                <a:latin typeface="+mj-lt"/>
+              </a:rPr>
+              <a:t>main</a:t>
+            </a:r>
+            <a:r>
+              <a:rPr lang="de-DE" sz="2000" dirty="0">
+                <a:latin typeface="+mj-lt"/>
+              </a:rPr>
               <a:t> </a:t>
             </a:r>
             <a:r>
-              <a:rPr lang="de-DE" u="sng" dirty="0" err="1"/>
-              <a:t>done</a:t>
-            </a:r>
-            <a:r>
-              <a:rPr lang="de-DE" u="sng" dirty="0"/>
-              <a:t>:</a:t>
-            </a:r>
-          </a:p>
-          <a:p>
-            <a:pPr marL="742950" lvl="1" indent="-285750">
-              <a:buFont typeface="Symbol" panose="05050102010706020507" pitchFamily="18" charset="2"/>
-              <a:buChar char="-"/>
-            </a:pPr>
-            <a:r>
-              <a:rPr lang="de-DE" dirty="0" err="1"/>
-              <a:t>Define</a:t>
-            </a:r>
-            <a:r>
-              <a:rPr lang="de-DE" dirty="0"/>
-              <a:t> Problem</a:t>
-            </a:r>
-          </a:p>
-          <a:p>
-            <a:pPr marL="742950" lvl="1" indent="-285750">
-              <a:buFont typeface="Symbol" panose="05050102010706020507" pitchFamily="18" charset="2"/>
-              <a:buChar char="-"/>
-            </a:pPr>
-            <a:r>
-              <a:rPr lang="de-DE" dirty="0" err="1"/>
-              <a:t>Define</a:t>
-            </a:r>
-            <a:r>
-              <a:rPr lang="de-DE" dirty="0"/>
-              <a:t> Outcome</a:t>
-            </a:r>
-          </a:p>
-          <a:p>
-            <a:pPr marL="742950" lvl="1" indent="-285750">
-              <a:buFont typeface="Symbol" panose="05050102010706020507" pitchFamily="18" charset="2"/>
-              <a:buChar char="-"/>
-            </a:pPr>
-            <a:r>
-              <a:rPr lang="de-DE" dirty="0"/>
-              <a:t>Data </a:t>
-            </a:r>
-            <a:r>
-              <a:rPr lang="de-DE" dirty="0" err="1"/>
-              <a:t>Cleaning</a:t>
-            </a:r>
-            <a:endParaRPr lang="de-DE" dirty="0"/>
-          </a:p>
-          <a:p>
-            <a:pPr marL="285750" indent="-285750">
-              <a:buFont typeface="Arial" panose="020B0604020202020204" pitchFamily="34" charset="0"/>
-              <a:buChar char="•"/>
-            </a:pPr>
-            <a:r>
-              <a:rPr lang="de-DE" u="sng" dirty="0"/>
-              <a:t>Next </a:t>
-            </a:r>
-            <a:r>
-              <a:rPr lang="de-DE" u="sng" dirty="0" err="1"/>
-              <a:t>steps</a:t>
-            </a:r>
-            <a:r>
-              <a:rPr lang="de-DE" u="sng" dirty="0"/>
-              <a:t>:</a:t>
-            </a:r>
-          </a:p>
-          <a:p>
-            <a:pPr marL="742950" lvl="1" indent="-285750">
-              <a:buFont typeface="Symbol" panose="05050102010706020507" pitchFamily="18" charset="2"/>
-              <a:buChar char="-"/>
-            </a:pPr>
-            <a:r>
-              <a:rPr lang="de-DE" dirty="0"/>
-              <a:t>Different </a:t>
-            </a:r>
-            <a:r>
-              <a:rPr lang="de-DE" dirty="0" err="1"/>
-              <a:t>clustering</a:t>
-            </a:r>
-            <a:r>
-              <a:rPr lang="de-DE" dirty="0"/>
-              <a:t> </a:t>
-            </a:r>
-            <a:r>
-              <a:rPr lang="de-DE" dirty="0" err="1"/>
-              <a:t>appraoches</a:t>
-            </a:r>
-            <a:r>
-              <a:rPr lang="de-DE" dirty="0"/>
-              <a:t> on </a:t>
-            </a:r>
-            <a:r>
-              <a:rPr lang="de-DE" dirty="0" err="1"/>
-              <a:t>baseline</a:t>
-            </a:r>
-            <a:r>
-              <a:rPr lang="de-DE" dirty="0"/>
-              <a:t> </a:t>
-            </a:r>
-            <a:r>
-              <a:rPr lang="de-DE" dirty="0" err="1"/>
-              <a:t>data</a:t>
-            </a:r>
-            <a:endParaRPr lang="de-DE" dirty="0"/>
-          </a:p>
-          <a:p>
-            <a:pPr marL="742950" lvl="1" indent="-285750">
-              <a:buFont typeface="Symbol" panose="05050102010706020507" pitchFamily="18" charset="2"/>
-              <a:buChar char="-"/>
-            </a:pPr>
-            <a:r>
-              <a:rPr lang="de-DE" dirty="0"/>
-              <a:t>Find </a:t>
-            </a:r>
-            <a:r>
-              <a:rPr lang="de-DE" dirty="0" err="1"/>
-              <a:t>metric</a:t>
-            </a:r>
-            <a:r>
-              <a:rPr lang="de-DE" dirty="0"/>
-              <a:t> for informativ </a:t>
-            </a:r>
-            <a:r>
-              <a:rPr lang="de-DE" dirty="0" err="1"/>
-              <a:t>validation</a:t>
-            </a:r>
-            <a:endParaRPr lang="de-DE" dirty="0"/>
-          </a:p>
-          <a:p>
-            <a:pPr lvl="1"/>
-            <a:endParaRPr lang="de-DE" dirty="0"/>
-          </a:p>
-          <a:p>
-            <a:pPr lvl="1"/>
-            <a:r>
-              <a:rPr lang="de-DE" dirty="0"/>
-              <a:t>TODO: FIND MORE PRECISE FORMULATION</a:t>
-            </a:r>
-          </a:p>
-          <a:p>
-            <a:pPr marL="742950" lvl="1" indent="-285750">
-              <a:buFont typeface="Symbol" panose="05050102010706020507" pitchFamily="18" charset="2"/>
-              <a:buChar char="-"/>
-            </a:pPr>
-            <a:endParaRPr lang="de-DE" u="sng" dirty="0"/>
+              <a:rPr lang="de-DE" sz="2000" dirty="0" err="1">
+                <a:latin typeface="+mj-lt"/>
+              </a:rPr>
+              <a:t>focus</a:t>
+            </a:r>
+            <a:r>
+              <a:rPr lang="de-DE" sz="2000" dirty="0">
+                <a:latin typeface="+mj-lt"/>
+              </a:rPr>
+              <a:t>)</a:t>
+            </a:r>
+            <a:endParaRPr lang="en-GB" sz="2000" dirty="0">
+              <a:latin typeface="+mj-lt"/>
+            </a:endParaRPr>
+          </a:p>
+        </p:txBody>
+      </p:sp>
+      <p:sp>
+        <p:nvSpPr>
+          <p:cNvPr id="10" name="Textfeld 9">
+            <a:extLst>
+              <a:ext uri="{FF2B5EF4-FFF2-40B4-BE49-F238E27FC236}">
+                <a16:creationId xmlns:a16="http://schemas.microsoft.com/office/drawing/2014/main" id="{612FEDD5-9E54-4F02-8DE8-864CDDD98F09}"/>
+              </a:ext>
+            </a:extLst>
+          </p:cNvPr>
+          <p:cNvSpPr txBox="1"/>
+          <p:nvPr/>
+        </p:nvSpPr>
+        <p:spPr>
+          <a:xfrm>
+            <a:off x="4517169" y="1146157"/>
+            <a:ext cx="4266344" cy="400110"/>
+          </a:xfrm>
+          <a:prstGeom prst="rect">
+            <a:avLst/>
+          </a:prstGeom>
+          <a:noFill/>
+        </p:spPr>
+        <p:txBody>
+          <a:bodyPr wrap="square" rtlCol="0">
+            <a:spAutoFit/>
+          </a:bodyPr>
+          <a:lstStyle/>
+          <a:p>
+            <a:r>
+              <a:rPr lang="de-DE" sz="2000" b="1" dirty="0"/>
+              <a:t>Time-to-Event Analysis</a:t>
+            </a:r>
+            <a:endParaRPr lang="en-GB" sz="2000" b="1" dirty="0"/>
           </a:p>
         </p:txBody>
       </p:sp>
@@ -13647,6 +16210,222 @@
   <p:clrMapOvr>
     <a:masterClrMapping/>
   </p:clrMapOvr>
+  <p:timing>
+    <p:tnLst>
+      <p:par>
+        <p:cTn id="1" dur="indefinite" restart="never" nodeType="tmRoot">
+          <p:childTnLst>
+            <p:seq concurrent="1" nextAc="seek">
+              <p:cTn id="2" dur="indefinite" nodeType="mainSeq">
+                <p:childTnLst>
+                  <p:par>
+                    <p:cTn id="3" fill="hold">
+                      <p:stCondLst>
+                        <p:cond delay="indefinite"/>
+                      </p:stCondLst>
+                      <p:childTnLst>
+                        <p:par>
+                          <p:cTn id="4" fill="hold">
+                            <p:stCondLst>
+                              <p:cond delay="0"/>
+                            </p:stCondLst>
+                            <p:childTnLst>
+                              <p:par>
+                                <p:cTn id="5" presetID="1" presetClass="entr" presetSubtype="0" fill="hold" grpId="0" nodeType="clickEffect">
+                                  <p:stCondLst>
+                                    <p:cond delay="0"/>
+                                  </p:stCondLst>
+                                  <p:childTnLst>
+                                    <p:set>
+                                      <p:cBhvr>
+                                        <p:cTn id="6" dur="1" fill="hold">
+                                          <p:stCondLst>
+                                            <p:cond delay="0"/>
+                                          </p:stCondLst>
+                                        </p:cTn>
+                                        <p:tgtEl>
+                                          <p:spTgt spid="9"/>
+                                        </p:tgtEl>
+                                        <p:attrNameLst>
+                                          <p:attrName>style.visibility</p:attrName>
+                                        </p:attrNameLst>
+                                      </p:cBhvr>
+                                      <p:to>
+                                        <p:strVal val="visible"/>
+                                      </p:to>
+                                    </p:set>
+                                  </p:childTnLst>
+                                </p:cTn>
+                              </p:par>
+                            </p:childTnLst>
+                          </p:cTn>
+                        </p:par>
+                      </p:childTnLst>
+                    </p:cTn>
+                  </p:par>
+                  <p:par>
+                    <p:cTn id="7" fill="hold">
+                      <p:stCondLst>
+                        <p:cond delay="indefinite"/>
+                      </p:stCondLst>
+                      <p:childTnLst>
+                        <p:par>
+                          <p:cTn id="8" fill="hold">
+                            <p:stCondLst>
+                              <p:cond delay="0"/>
+                            </p:stCondLst>
+                            <p:childTnLst>
+                              <p:par>
+                                <p:cTn id="9" presetID="1" presetClass="entr" presetSubtype="0" fill="hold" grpId="0" nodeType="clickEffect">
+                                  <p:stCondLst>
+                                    <p:cond delay="0"/>
+                                  </p:stCondLst>
+                                  <p:childTnLst>
+                                    <p:set>
+                                      <p:cBhvr>
+                                        <p:cTn id="10" dur="1" fill="hold">
+                                          <p:stCondLst>
+                                            <p:cond delay="0"/>
+                                          </p:stCondLst>
+                                        </p:cTn>
+                                        <p:tgtEl>
+                                          <p:spTgt spid="10"/>
+                                        </p:tgtEl>
+                                        <p:attrNameLst>
+                                          <p:attrName>style.visibility</p:attrName>
+                                        </p:attrNameLst>
+                                      </p:cBhvr>
+                                      <p:to>
+                                        <p:strVal val="visible"/>
+                                      </p:to>
+                                    </p:set>
+                                  </p:childTnLst>
+                                </p:cTn>
+                              </p:par>
+                            </p:childTnLst>
+                          </p:cTn>
+                        </p:par>
+                      </p:childTnLst>
+                    </p:cTn>
+                  </p:par>
+                  <p:par>
+                    <p:cTn id="11" fill="hold">
+                      <p:stCondLst>
+                        <p:cond delay="indefinite"/>
+                      </p:stCondLst>
+                      <p:childTnLst>
+                        <p:par>
+                          <p:cTn id="12" fill="hold">
+                            <p:stCondLst>
+                              <p:cond delay="0"/>
+                            </p:stCondLst>
+                            <p:childTnLst>
+                              <p:par>
+                                <p:cTn id="13" presetID="1" presetClass="entr" presetSubtype="0" fill="hold" grpId="0" nodeType="clickEffect">
+                                  <p:stCondLst>
+                                    <p:cond delay="0"/>
+                                  </p:stCondLst>
+                                  <p:childTnLst>
+                                    <p:set>
+                                      <p:cBhvr>
+                                        <p:cTn id="14" dur="1" fill="hold">
+                                          <p:stCondLst>
+                                            <p:cond delay="0"/>
+                                          </p:stCondLst>
+                                        </p:cTn>
+                                        <p:tgtEl>
+                                          <p:spTgt spid="6"/>
+                                        </p:tgtEl>
+                                        <p:attrNameLst>
+                                          <p:attrName>style.visibility</p:attrName>
+                                        </p:attrNameLst>
+                                      </p:cBhvr>
+                                      <p:to>
+                                        <p:strVal val="visible"/>
+                                      </p:to>
+                                    </p:set>
+                                  </p:childTnLst>
+                                </p:cTn>
+                              </p:par>
+                            </p:childTnLst>
+                          </p:cTn>
+                        </p:par>
+                      </p:childTnLst>
+                    </p:cTn>
+                  </p:par>
+                  <p:par>
+                    <p:cTn id="15" fill="hold">
+                      <p:stCondLst>
+                        <p:cond delay="indefinite"/>
+                      </p:stCondLst>
+                      <p:childTnLst>
+                        <p:par>
+                          <p:cTn id="16" fill="hold">
+                            <p:stCondLst>
+                              <p:cond delay="0"/>
+                            </p:stCondLst>
+                            <p:childTnLst>
+                              <p:par>
+                                <p:cTn id="17" presetID="1" presetClass="entr" presetSubtype="0" fill="hold" grpId="0" nodeType="clickEffect">
+                                  <p:stCondLst>
+                                    <p:cond delay="0"/>
+                                  </p:stCondLst>
+                                  <p:childTnLst>
+                                    <p:set>
+                                      <p:cBhvr>
+                                        <p:cTn id="18" dur="1" fill="hold">
+                                          <p:stCondLst>
+                                            <p:cond delay="0"/>
+                                          </p:stCondLst>
+                                        </p:cTn>
+                                        <p:tgtEl>
+                                          <p:spTgt spid="7"/>
+                                        </p:tgtEl>
+                                        <p:attrNameLst>
+                                          <p:attrName>style.visibility</p:attrName>
+                                        </p:attrNameLst>
+                                      </p:cBhvr>
+                                      <p:to>
+                                        <p:strVal val="visible"/>
+                                      </p:to>
+                                    </p:set>
+                                  </p:childTnLst>
+                                </p:cTn>
+                              </p:par>
+                            </p:childTnLst>
+                          </p:cTn>
+                        </p:par>
+                      </p:childTnLst>
+                    </p:cTn>
+                  </p:par>
+                </p:childTnLst>
+              </p:cTn>
+              <p:prevCondLst>
+                <p:cond evt="onPrev" delay="0">
+                  <p:tgtEl>
+                    <p:sldTgt/>
+                  </p:tgtEl>
+                </p:cond>
+              </p:prevCondLst>
+              <p:nextCondLst>
+                <p:cond evt="onNext" delay="0">
+                  <p:tgtEl>
+                    <p:sldTgt/>
+                  </p:tgtEl>
+                </p:cond>
+              </p:nextCondLst>
+            </p:seq>
+          </p:childTnLst>
+        </p:cTn>
+      </p:par>
+    </p:tnLst>
+    <p:bldLst>
+      <p:bldP spid="6" grpId="0"/>
+      <p:bldP spid="7" grpId="0"/>
+      <p:bldP spid="9" grpId="0"/>
+      <p:bldP spid="10" grpId="0"/>
+    </p:bldLst>
+  </p:timing>
 </p:sld>
 </file>
 
